--- a/algorithm/electricity/03_denki-koujishi/01_kakomon/R1_1/02_jitsugi/q05/a05.pptx
+++ b/algorithm/electricity/03_denki-koujishi/01_kakomon/R1_1/02_jitsugi/q05/a05.pptx
@@ -11,6 +11,7 @@
     <p:sldId id="327" r:id="rId5"/>
     <p:sldId id="328" r:id="rId6"/>
     <p:sldId id="329" r:id="rId7"/>
+    <p:sldId id="330" r:id="rId8"/>
   </p:sldIdLst>
   <p:sldSz cx="12192000" cy="6858000"/>
   <p:notesSz cx="6858000" cy="9144000"/>
@@ -264,7 +265,7 @@
           <a:p>
             <a:fld id="{EA6D781E-2D27-4EF7-AFED-D0940E0D7738}" type="datetimeFigureOut">
               <a:rPr kumimoji="1" lang="ja-JP" altLang="en-US" smtClean="0"/>
-              <a:t>2020/11/19</a:t>
+              <a:t>2020/11/23</a:t>
             </a:fld>
             <a:endParaRPr kumimoji="1" lang="ja-JP" altLang="en-US"/>
           </a:p>
@@ -494,7 +495,7 @@
           <a:p>
             <a:fld id="{EA6D781E-2D27-4EF7-AFED-D0940E0D7738}" type="datetimeFigureOut">
               <a:rPr kumimoji="1" lang="ja-JP" altLang="en-US" smtClean="0"/>
-              <a:t>2020/11/19</a:t>
+              <a:t>2020/11/23</a:t>
             </a:fld>
             <a:endParaRPr kumimoji="1" lang="ja-JP" altLang="en-US"/>
           </a:p>
@@ -734,7 +735,7 @@
           <a:p>
             <a:fld id="{EA6D781E-2D27-4EF7-AFED-D0940E0D7738}" type="datetimeFigureOut">
               <a:rPr kumimoji="1" lang="ja-JP" altLang="en-US" smtClean="0"/>
-              <a:t>2020/11/19</a:t>
+              <a:t>2020/11/23</a:t>
             </a:fld>
             <a:endParaRPr kumimoji="1" lang="ja-JP" altLang="en-US"/>
           </a:p>
@@ -964,7 +965,7 @@
           <a:p>
             <a:fld id="{EA6D781E-2D27-4EF7-AFED-D0940E0D7738}" type="datetimeFigureOut">
               <a:rPr kumimoji="1" lang="ja-JP" altLang="en-US" smtClean="0"/>
-              <a:t>2020/11/19</a:t>
+              <a:t>2020/11/23</a:t>
             </a:fld>
             <a:endParaRPr kumimoji="1" lang="ja-JP" altLang="en-US"/>
           </a:p>
@@ -1239,7 +1240,7 @@
           <a:p>
             <a:fld id="{EA6D781E-2D27-4EF7-AFED-D0940E0D7738}" type="datetimeFigureOut">
               <a:rPr kumimoji="1" lang="ja-JP" altLang="en-US" smtClean="0"/>
-              <a:t>2020/11/19</a:t>
+              <a:t>2020/11/23</a:t>
             </a:fld>
             <a:endParaRPr kumimoji="1" lang="ja-JP" altLang="en-US"/>
           </a:p>
@@ -1568,7 +1569,7 @@
           <a:p>
             <a:fld id="{EA6D781E-2D27-4EF7-AFED-D0940E0D7738}" type="datetimeFigureOut">
               <a:rPr kumimoji="1" lang="ja-JP" altLang="en-US" smtClean="0"/>
-              <a:t>2020/11/19</a:t>
+              <a:t>2020/11/23</a:t>
             </a:fld>
             <a:endParaRPr kumimoji="1" lang="ja-JP" altLang="en-US"/>
           </a:p>
@@ -2044,7 +2045,7 @@
           <a:p>
             <a:fld id="{EA6D781E-2D27-4EF7-AFED-D0940E0D7738}" type="datetimeFigureOut">
               <a:rPr kumimoji="1" lang="ja-JP" altLang="en-US" smtClean="0"/>
-              <a:t>2020/11/19</a:t>
+              <a:t>2020/11/23</a:t>
             </a:fld>
             <a:endParaRPr kumimoji="1" lang="ja-JP" altLang="en-US"/>
           </a:p>
@@ -2185,7 +2186,7 @@
           <a:p>
             <a:fld id="{EA6D781E-2D27-4EF7-AFED-D0940E0D7738}" type="datetimeFigureOut">
               <a:rPr kumimoji="1" lang="ja-JP" altLang="en-US" smtClean="0"/>
-              <a:t>2020/11/19</a:t>
+              <a:t>2020/11/23</a:t>
             </a:fld>
             <a:endParaRPr kumimoji="1" lang="ja-JP" altLang="en-US"/>
           </a:p>
@@ -2298,7 +2299,7 @@
           <a:p>
             <a:fld id="{EA6D781E-2D27-4EF7-AFED-D0940E0D7738}" type="datetimeFigureOut">
               <a:rPr kumimoji="1" lang="ja-JP" altLang="en-US" smtClean="0"/>
-              <a:t>2020/11/19</a:t>
+              <a:t>2020/11/23</a:t>
             </a:fld>
             <a:endParaRPr kumimoji="1" lang="ja-JP" altLang="en-US"/>
           </a:p>
@@ -2641,7 +2642,7 @@
           <a:p>
             <a:fld id="{EA6D781E-2D27-4EF7-AFED-D0940E0D7738}" type="datetimeFigureOut">
               <a:rPr kumimoji="1" lang="ja-JP" altLang="en-US" smtClean="0"/>
-              <a:t>2020/11/19</a:t>
+              <a:t>2020/11/23</a:t>
             </a:fld>
             <a:endParaRPr kumimoji="1" lang="ja-JP" altLang="en-US"/>
           </a:p>
@@ -2929,7 +2930,7 @@
           <a:p>
             <a:fld id="{EA6D781E-2D27-4EF7-AFED-D0940E0D7738}" type="datetimeFigureOut">
               <a:rPr kumimoji="1" lang="ja-JP" altLang="en-US" smtClean="0"/>
-              <a:t>2020/11/19</a:t>
+              <a:t>2020/11/23</a:t>
             </a:fld>
             <a:endParaRPr kumimoji="1" lang="ja-JP" altLang="en-US"/>
           </a:p>
@@ -3202,7 +3203,7 @@
           <a:p>
             <a:fld id="{EA6D781E-2D27-4EF7-AFED-D0940E0D7738}" type="datetimeFigureOut">
               <a:rPr kumimoji="1" lang="ja-JP" altLang="en-US" smtClean="0"/>
-              <a:t>2020/11/19</a:t>
+              <a:t>2020/11/23</a:t>
             </a:fld>
             <a:endParaRPr kumimoji="1" lang="ja-JP" altLang="en-US"/>
           </a:p>
@@ -17692,6 +17693,4164 @@
 </p:sld>
 </file>
 
+<file path=ppt/slides/slide7.xml><?xml version="1.0" encoding="utf-8"?>
+<p:sld xmlns:a="http://schemas.openxmlformats.org/drawingml/2006/main" xmlns:r="http://schemas.openxmlformats.org/officeDocument/2006/relationships" xmlns:p="http://schemas.openxmlformats.org/presentationml/2006/main">
+  <p:cSld>
+    <p:spTree>
+      <p:nvGrpSpPr>
+        <p:cNvPr id="1" name=""/>
+        <p:cNvGrpSpPr/>
+        <p:nvPr/>
+      </p:nvGrpSpPr>
+      <p:grpSpPr>
+        <a:xfrm>
+          <a:off x="0" y="0"/>
+          <a:ext cx="0" cy="0"/>
+          <a:chOff x="0" y="0"/>
+          <a:chExt cx="0" cy="0"/>
+        </a:xfrm>
+      </p:grpSpPr>
+      <p:sp>
+        <p:nvSpPr>
+          <p:cNvPr id="18" name="楕円 17">
+            <a:extLst>
+              <a:ext uri="{FF2B5EF4-FFF2-40B4-BE49-F238E27FC236}">
+                <a16:creationId xmlns:a16="http://schemas.microsoft.com/office/drawing/2014/main" id="{A2E154AD-98D1-4F44-81A2-0CBE45258587}"/>
+              </a:ext>
+            </a:extLst>
+          </p:cNvPr>
+          <p:cNvSpPr/>
+          <p:nvPr/>
+        </p:nvSpPr>
+        <p:spPr>
+          <a:xfrm>
+            <a:off x="1996876" y="4636695"/>
+            <a:ext cx="786798" cy="736573"/>
+          </a:xfrm>
+          <a:prstGeom prst="ellipse">
+            <a:avLst/>
+          </a:prstGeom>
+          <a:solidFill>
+            <a:schemeClr val="bg1"/>
+          </a:solidFill>
+          <a:ln w="38100">
+            <a:solidFill>
+              <a:schemeClr val="bg2">
+                <a:lumMod val="10000"/>
+              </a:schemeClr>
+            </a:solidFill>
+          </a:ln>
+        </p:spPr>
+        <p:style>
+          <a:lnRef idx="2">
+            <a:schemeClr val="accent1">
+              <a:shade val="50000"/>
+            </a:schemeClr>
+          </a:lnRef>
+          <a:fillRef idx="1">
+            <a:schemeClr val="accent1"/>
+          </a:fillRef>
+          <a:effectRef idx="0">
+            <a:schemeClr val="accent1"/>
+          </a:effectRef>
+          <a:fontRef idx="minor">
+            <a:schemeClr val="lt1"/>
+          </a:fontRef>
+        </p:style>
+        <p:txBody>
+          <a:bodyPr rtlCol="0" anchor="ctr"/>
+          <a:lstStyle/>
+          <a:p>
+            <a:pPr algn="ctr"/>
+            <a:endParaRPr kumimoji="1" lang="ja-JP" altLang="en-US"/>
+          </a:p>
+        </p:txBody>
+      </p:sp>
+      <p:cxnSp>
+        <p:nvCxnSpPr>
+          <p:cNvPr id="50" name="直線コネクタ 49">
+            <a:extLst>
+              <a:ext uri="{FF2B5EF4-FFF2-40B4-BE49-F238E27FC236}">
+                <a16:creationId xmlns:a16="http://schemas.microsoft.com/office/drawing/2014/main" id="{56332DDB-6A1C-4EF3-9621-CC3E4A766C5B}"/>
+              </a:ext>
+            </a:extLst>
+          </p:cNvPr>
+          <p:cNvCxnSpPr>
+            <a:cxnSpLocks/>
+          </p:cNvCxnSpPr>
+          <p:nvPr/>
+        </p:nvCxnSpPr>
+        <p:spPr>
+          <a:xfrm flipH="1" flipV="1">
+            <a:off x="2104356" y="5205065"/>
+            <a:ext cx="571838" cy="345"/>
+          </a:xfrm>
+          <a:prstGeom prst="line">
+            <a:avLst/>
+          </a:prstGeom>
+          <a:ln w="57150">
+            <a:solidFill>
+              <a:schemeClr val="bg2">
+                <a:lumMod val="10000"/>
+              </a:schemeClr>
+            </a:solidFill>
+          </a:ln>
+        </p:spPr>
+        <p:style>
+          <a:lnRef idx="1">
+            <a:schemeClr val="accent1"/>
+          </a:lnRef>
+          <a:fillRef idx="0">
+            <a:schemeClr val="accent1"/>
+          </a:fillRef>
+          <a:effectRef idx="0">
+            <a:schemeClr val="accent1"/>
+          </a:effectRef>
+          <a:fontRef idx="minor">
+            <a:schemeClr val="tx1"/>
+          </a:fontRef>
+        </p:style>
+      </p:cxnSp>
+      <p:cxnSp>
+        <p:nvCxnSpPr>
+          <p:cNvPr id="64" name="直線コネクタ 63">
+            <a:extLst>
+              <a:ext uri="{FF2B5EF4-FFF2-40B4-BE49-F238E27FC236}">
+                <a16:creationId xmlns:a16="http://schemas.microsoft.com/office/drawing/2014/main" id="{4D658397-2C4B-4000-8063-9848F82650BA}"/>
+              </a:ext>
+            </a:extLst>
+          </p:cNvPr>
+          <p:cNvCxnSpPr>
+            <a:cxnSpLocks/>
+          </p:cNvCxnSpPr>
+          <p:nvPr/>
+        </p:nvCxnSpPr>
+        <p:spPr>
+          <a:xfrm flipV="1">
+            <a:off x="2285763" y="4636695"/>
+            <a:ext cx="0" cy="554960"/>
+          </a:xfrm>
+          <a:prstGeom prst="line">
+            <a:avLst/>
+          </a:prstGeom>
+          <a:ln w="57150">
+            <a:solidFill>
+              <a:schemeClr val="bg2">
+                <a:lumMod val="10000"/>
+              </a:schemeClr>
+            </a:solidFill>
+          </a:ln>
+        </p:spPr>
+        <p:style>
+          <a:lnRef idx="1">
+            <a:schemeClr val="accent1"/>
+          </a:lnRef>
+          <a:fillRef idx="0">
+            <a:schemeClr val="accent1"/>
+          </a:fillRef>
+          <a:effectRef idx="0">
+            <a:schemeClr val="accent1"/>
+          </a:effectRef>
+          <a:fontRef idx="minor">
+            <a:schemeClr val="tx1"/>
+          </a:fontRef>
+        </p:style>
+      </p:cxnSp>
+      <p:cxnSp>
+        <p:nvCxnSpPr>
+          <p:cNvPr id="66" name="直線コネクタ 65">
+            <a:extLst>
+              <a:ext uri="{FF2B5EF4-FFF2-40B4-BE49-F238E27FC236}">
+                <a16:creationId xmlns:a16="http://schemas.microsoft.com/office/drawing/2014/main" id="{F9F57985-8243-4B72-9226-BFAD4CE2DEEC}"/>
+              </a:ext>
+            </a:extLst>
+          </p:cNvPr>
+          <p:cNvCxnSpPr>
+            <a:cxnSpLocks/>
+          </p:cNvCxnSpPr>
+          <p:nvPr/>
+        </p:nvCxnSpPr>
+        <p:spPr>
+          <a:xfrm flipV="1">
+            <a:off x="2492008" y="4637948"/>
+            <a:ext cx="0" cy="554960"/>
+          </a:xfrm>
+          <a:prstGeom prst="line">
+            <a:avLst/>
+          </a:prstGeom>
+          <a:ln w="57150">
+            <a:solidFill>
+              <a:schemeClr val="bg2">
+                <a:lumMod val="10000"/>
+              </a:schemeClr>
+            </a:solidFill>
+          </a:ln>
+        </p:spPr>
+        <p:style>
+          <a:lnRef idx="1">
+            <a:schemeClr val="accent1"/>
+          </a:lnRef>
+          <a:fillRef idx="0">
+            <a:schemeClr val="accent1"/>
+          </a:fillRef>
+          <a:effectRef idx="0">
+            <a:schemeClr val="accent1"/>
+          </a:effectRef>
+          <a:fontRef idx="minor">
+            <a:schemeClr val="tx1"/>
+          </a:fontRef>
+        </p:style>
+      </p:cxnSp>
+      <p:sp>
+        <p:nvSpPr>
+          <p:cNvPr id="9" name="楕円 8">
+            <a:extLst>
+              <a:ext uri="{FF2B5EF4-FFF2-40B4-BE49-F238E27FC236}">
+                <a16:creationId xmlns:a16="http://schemas.microsoft.com/office/drawing/2014/main" id="{5F83C3E4-DD28-48F0-9CF1-131ACAD0A376}"/>
+              </a:ext>
+            </a:extLst>
+          </p:cNvPr>
+          <p:cNvSpPr/>
+          <p:nvPr/>
+        </p:nvSpPr>
+        <p:spPr>
+          <a:xfrm>
+            <a:off x="5691110" y="138067"/>
+            <a:ext cx="2837904" cy="2898144"/>
+          </a:xfrm>
+          <a:prstGeom prst="ellipse">
+            <a:avLst/>
+          </a:prstGeom>
+          <a:solidFill>
+            <a:schemeClr val="bg1"/>
+          </a:solidFill>
+          <a:ln w="28575">
+            <a:solidFill>
+              <a:schemeClr val="bg2">
+                <a:lumMod val="10000"/>
+              </a:schemeClr>
+            </a:solidFill>
+            <a:prstDash val="dash"/>
+          </a:ln>
+        </p:spPr>
+        <p:style>
+          <a:lnRef idx="2">
+            <a:schemeClr val="accent1">
+              <a:shade val="50000"/>
+            </a:schemeClr>
+          </a:lnRef>
+          <a:fillRef idx="1">
+            <a:schemeClr val="accent1"/>
+          </a:fillRef>
+          <a:effectRef idx="0">
+            <a:schemeClr val="accent1"/>
+          </a:effectRef>
+          <a:fontRef idx="minor">
+            <a:schemeClr val="lt1"/>
+          </a:fontRef>
+        </p:style>
+        <p:txBody>
+          <a:bodyPr rtlCol="0" anchor="ctr"/>
+          <a:lstStyle/>
+          <a:p>
+            <a:pPr algn="ctr"/>
+            <a:endParaRPr kumimoji="1" lang="ja-JP" altLang="en-US"/>
+          </a:p>
+        </p:txBody>
+      </p:sp>
+      <p:sp>
+        <p:nvSpPr>
+          <p:cNvPr id="11" name="正方形/長方形 10">
+            <a:extLst>
+              <a:ext uri="{FF2B5EF4-FFF2-40B4-BE49-F238E27FC236}">
+                <a16:creationId xmlns:a16="http://schemas.microsoft.com/office/drawing/2014/main" id="{B2E48084-A050-48D9-92DC-2AEB3B57124E}"/>
+              </a:ext>
+            </a:extLst>
+          </p:cNvPr>
+          <p:cNvSpPr/>
+          <p:nvPr/>
+        </p:nvSpPr>
+        <p:spPr>
+          <a:xfrm>
+            <a:off x="825416" y="555508"/>
+            <a:ext cx="516065" cy="1244480"/>
+          </a:xfrm>
+          <a:prstGeom prst="rect">
+            <a:avLst/>
+          </a:prstGeom>
+          <a:noFill/>
+          <a:ln w="28575">
+            <a:solidFill>
+              <a:schemeClr val="tx1"/>
+            </a:solidFill>
+          </a:ln>
+        </p:spPr>
+        <p:style>
+          <a:lnRef idx="2">
+            <a:schemeClr val="accent1">
+              <a:shade val="50000"/>
+            </a:schemeClr>
+          </a:lnRef>
+          <a:fillRef idx="1">
+            <a:schemeClr val="accent1"/>
+          </a:fillRef>
+          <a:effectRef idx="0">
+            <a:schemeClr val="accent1"/>
+          </a:effectRef>
+          <a:fontRef idx="minor">
+            <a:schemeClr val="lt1"/>
+          </a:fontRef>
+        </p:style>
+        <p:txBody>
+          <a:bodyPr rtlCol="0" anchor="ctr"/>
+          <a:lstStyle/>
+          <a:p>
+            <a:pPr algn="ctr"/>
+            <a:endParaRPr kumimoji="1" lang="ja-JP" altLang="en-US"/>
+          </a:p>
+        </p:txBody>
+      </p:sp>
+      <p:sp>
+        <p:nvSpPr>
+          <p:cNvPr id="13" name="楕円 12">
+            <a:extLst>
+              <a:ext uri="{FF2B5EF4-FFF2-40B4-BE49-F238E27FC236}">
+                <a16:creationId xmlns:a16="http://schemas.microsoft.com/office/drawing/2014/main" id="{8B322D31-0F54-4CD9-BE29-A78F0B219161}"/>
+              </a:ext>
+            </a:extLst>
+          </p:cNvPr>
+          <p:cNvSpPr/>
+          <p:nvPr/>
+        </p:nvSpPr>
+        <p:spPr>
+          <a:xfrm flipV="1">
+            <a:off x="909844" y="742367"/>
+            <a:ext cx="329621" cy="352776"/>
+          </a:xfrm>
+          <a:prstGeom prst="ellipse">
+            <a:avLst/>
+          </a:prstGeom>
+          <a:noFill/>
+          <a:ln w="28575">
+            <a:solidFill>
+              <a:schemeClr val="tx1"/>
+            </a:solidFill>
+          </a:ln>
+        </p:spPr>
+        <p:style>
+          <a:lnRef idx="2">
+            <a:schemeClr val="accent1">
+              <a:shade val="50000"/>
+            </a:schemeClr>
+          </a:lnRef>
+          <a:fillRef idx="1">
+            <a:schemeClr val="accent1"/>
+          </a:fillRef>
+          <a:effectRef idx="0">
+            <a:schemeClr val="accent1"/>
+          </a:effectRef>
+          <a:fontRef idx="minor">
+            <a:schemeClr val="lt1"/>
+          </a:fontRef>
+        </p:style>
+        <p:txBody>
+          <a:bodyPr rtlCol="0" anchor="ctr"/>
+          <a:lstStyle/>
+          <a:p>
+            <a:pPr algn="ctr"/>
+            <a:endParaRPr kumimoji="1" lang="ja-JP" altLang="en-US"/>
+          </a:p>
+        </p:txBody>
+      </p:sp>
+      <p:sp>
+        <p:nvSpPr>
+          <p:cNvPr id="14" name="楕円 13">
+            <a:extLst>
+              <a:ext uri="{FF2B5EF4-FFF2-40B4-BE49-F238E27FC236}">
+                <a16:creationId xmlns:a16="http://schemas.microsoft.com/office/drawing/2014/main" id="{1258D82E-C517-4064-9522-5AEAA2B9C4D2}"/>
+              </a:ext>
+            </a:extLst>
+          </p:cNvPr>
+          <p:cNvSpPr/>
+          <p:nvPr/>
+        </p:nvSpPr>
+        <p:spPr>
+          <a:xfrm flipV="1">
+            <a:off x="901724" y="2809784"/>
+            <a:ext cx="329621" cy="326064"/>
+          </a:xfrm>
+          <a:prstGeom prst="ellipse">
+            <a:avLst/>
+          </a:prstGeom>
+          <a:noFill/>
+          <a:ln w="28575">
+            <a:solidFill>
+              <a:schemeClr val="tx1"/>
+            </a:solidFill>
+          </a:ln>
+        </p:spPr>
+        <p:style>
+          <a:lnRef idx="2">
+            <a:schemeClr val="accent1">
+              <a:shade val="50000"/>
+            </a:schemeClr>
+          </a:lnRef>
+          <a:fillRef idx="1">
+            <a:schemeClr val="accent1"/>
+          </a:fillRef>
+          <a:effectRef idx="0">
+            <a:schemeClr val="accent1"/>
+          </a:effectRef>
+          <a:fontRef idx="minor">
+            <a:schemeClr val="lt1"/>
+          </a:fontRef>
+        </p:style>
+        <p:txBody>
+          <a:bodyPr rtlCol="0" anchor="ctr"/>
+          <a:lstStyle/>
+          <a:p>
+            <a:pPr algn="ctr"/>
+            <a:endParaRPr kumimoji="1" lang="ja-JP" altLang="en-US"/>
+          </a:p>
+        </p:txBody>
+      </p:sp>
+      <p:sp>
+        <p:nvSpPr>
+          <p:cNvPr id="21" name="テキスト ボックス 20">
+            <a:extLst>
+              <a:ext uri="{FF2B5EF4-FFF2-40B4-BE49-F238E27FC236}">
+                <a16:creationId xmlns:a16="http://schemas.microsoft.com/office/drawing/2014/main" id="{9981600F-FBF2-4F0D-99C2-9532A799CEF2}"/>
+              </a:ext>
+            </a:extLst>
+          </p:cNvPr>
+          <p:cNvSpPr txBox="1"/>
+          <p:nvPr/>
+        </p:nvSpPr>
+        <p:spPr>
+          <a:xfrm>
+            <a:off x="165259" y="613897"/>
+            <a:ext cx="442750" cy="1200329"/>
+          </a:xfrm>
+          <a:prstGeom prst="rect">
+            <a:avLst/>
+          </a:prstGeom>
+          <a:noFill/>
+        </p:spPr>
+        <p:txBody>
+          <a:bodyPr wrap="none" rtlCol="0">
+            <a:spAutoFit/>
+          </a:bodyPr>
+          <a:lstStyle/>
+          <a:p>
+            <a:r>
+              <a:rPr lang="en-US" altLang="ja-JP" sz="2400" b="1" dirty="0">
+                <a:latin typeface="Georgia" panose="02040502050405020303" pitchFamily="18" charset="0"/>
+              </a:rPr>
+              <a:t>N</a:t>
+            </a:r>
+            <a:endParaRPr kumimoji="1" lang="en-US" altLang="ja-JP" sz="2400" b="1" dirty="0">
+              <a:latin typeface="Georgia" panose="02040502050405020303" pitchFamily="18" charset="0"/>
+            </a:endParaRPr>
+          </a:p>
+          <a:p>
+            <a:endParaRPr lang="en-US" altLang="ja-JP" sz="2400" b="1" dirty="0">
+              <a:latin typeface="Georgia" panose="02040502050405020303" pitchFamily="18" charset="0"/>
+            </a:endParaRPr>
+          </a:p>
+          <a:p>
+            <a:r>
+              <a:rPr kumimoji="1" lang="en-US" altLang="ja-JP" sz="2400" b="1" dirty="0">
+                <a:latin typeface="Georgia" panose="02040502050405020303" pitchFamily="18" charset="0"/>
+              </a:rPr>
+              <a:t>L</a:t>
+            </a:r>
+            <a:endParaRPr kumimoji="1" lang="ja-JP" altLang="en-US" sz="2400" b="1" dirty="0">
+              <a:latin typeface="Georgia" panose="02040502050405020303" pitchFamily="18" charset="0"/>
+            </a:endParaRPr>
+          </a:p>
+        </p:txBody>
+      </p:sp>
+      <p:sp>
+        <p:nvSpPr>
+          <p:cNvPr id="26" name="テキスト ボックス 25">
+            <a:extLst>
+              <a:ext uri="{FF2B5EF4-FFF2-40B4-BE49-F238E27FC236}">
+                <a16:creationId xmlns:a16="http://schemas.microsoft.com/office/drawing/2014/main" id="{2EFE439D-4D07-4334-9443-CC50E3E2137A}"/>
+              </a:ext>
+            </a:extLst>
+          </p:cNvPr>
+          <p:cNvSpPr txBox="1"/>
+          <p:nvPr/>
+        </p:nvSpPr>
+        <p:spPr>
+          <a:xfrm>
+            <a:off x="4564866" y="4083385"/>
+            <a:ext cx="492443" cy="461665"/>
+          </a:xfrm>
+          <a:prstGeom prst="rect">
+            <a:avLst/>
+          </a:prstGeom>
+          <a:noFill/>
+        </p:spPr>
+        <p:txBody>
+          <a:bodyPr wrap="none" rtlCol="0">
+            <a:spAutoFit/>
+          </a:bodyPr>
+          <a:lstStyle/>
+          <a:p>
+            <a:r>
+              <a:rPr kumimoji="1" lang="ja-JP" altLang="en-US" sz="2400" b="1" dirty="0">
+                <a:latin typeface="Georgia" panose="02040502050405020303" pitchFamily="18" charset="0"/>
+              </a:rPr>
+              <a:t>ロ</a:t>
+            </a:r>
+          </a:p>
+        </p:txBody>
+      </p:sp>
+      <p:sp>
+        <p:nvSpPr>
+          <p:cNvPr id="4" name="正方形/長方形 3">
+            <a:extLst>
+              <a:ext uri="{FF2B5EF4-FFF2-40B4-BE49-F238E27FC236}">
+                <a16:creationId xmlns:a16="http://schemas.microsoft.com/office/drawing/2014/main" id="{67C28014-BD2B-40F5-94C7-C9DE9FFA1D55}"/>
+              </a:ext>
+            </a:extLst>
+          </p:cNvPr>
+          <p:cNvSpPr/>
+          <p:nvPr/>
+        </p:nvSpPr>
+        <p:spPr>
+          <a:xfrm>
+            <a:off x="817569" y="1801237"/>
+            <a:ext cx="516065" cy="1446084"/>
+          </a:xfrm>
+          <a:prstGeom prst="rect">
+            <a:avLst/>
+          </a:prstGeom>
+          <a:noFill/>
+          <a:ln w="28575">
+            <a:solidFill>
+              <a:schemeClr val="tx1"/>
+            </a:solidFill>
+          </a:ln>
+        </p:spPr>
+        <p:style>
+          <a:lnRef idx="2">
+            <a:schemeClr val="accent1">
+              <a:shade val="50000"/>
+            </a:schemeClr>
+          </a:lnRef>
+          <a:fillRef idx="1">
+            <a:schemeClr val="accent1"/>
+          </a:fillRef>
+          <a:effectRef idx="0">
+            <a:schemeClr val="accent1"/>
+          </a:effectRef>
+          <a:fontRef idx="minor">
+            <a:schemeClr val="lt1"/>
+          </a:fontRef>
+        </p:style>
+        <p:txBody>
+          <a:bodyPr rtlCol="0" anchor="ctr"/>
+          <a:lstStyle/>
+          <a:p>
+            <a:pPr algn="ctr"/>
+            <a:endParaRPr kumimoji="1" lang="ja-JP" altLang="en-US"/>
+          </a:p>
+        </p:txBody>
+      </p:sp>
+      <p:sp>
+        <p:nvSpPr>
+          <p:cNvPr id="17" name="楕円 16">
+            <a:extLst>
+              <a:ext uri="{FF2B5EF4-FFF2-40B4-BE49-F238E27FC236}">
+                <a16:creationId xmlns:a16="http://schemas.microsoft.com/office/drawing/2014/main" id="{A86F2FB6-1373-4403-AE6D-D0E922DC50ED}"/>
+              </a:ext>
+            </a:extLst>
+          </p:cNvPr>
+          <p:cNvSpPr/>
+          <p:nvPr/>
+        </p:nvSpPr>
+        <p:spPr>
+          <a:xfrm flipV="1">
+            <a:off x="892019" y="1903932"/>
+            <a:ext cx="329621" cy="326064"/>
+          </a:xfrm>
+          <a:prstGeom prst="ellipse">
+            <a:avLst/>
+          </a:prstGeom>
+          <a:noFill/>
+          <a:ln w="28575">
+            <a:solidFill>
+              <a:schemeClr val="tx1"/>
+            </a:solidFill>
+          </a:ln>
+        </p:spPr>
+        <p:style>
+          <a:lnRef idx="2">
+            <a:schemeClr val="accent1">
+              <a:shade val="50000"/>
+            </a:schemeClr>
+          </a:lnRef>
+          <a:fillRef idx="1">
+            <a:schemeClr val="accent1"/>
+          </a:fillRef>
+          <a:effectRef idx="0">
+            <a:schemeClr val="accent1"/>
+          </a:effectRef>
+          <a:fontRef idx="minor">
+            <a:schemeClr val="lt1"/>
+          </a:fontRef>
+        </p:style>
+        <p:txBody>
+          <a:bodyPr rtlCol="0" anchor="ctr"/>
+          <a:lstStyle/>
+          <a:p>
+            <a:pPr algn="ctr"/>
+            <a:endParaRPr kumimoji="1" lang="ja-JP" altLang="en-US"/>
+          </a:p>
+        </p:txBody>
+      </p:sp>
+      <p:sp>
+        <p:nvSpPr>
+          <p:cNvPr id="20" name="楕円 19">
+            <a:extLst>
+              <a:ext uri="{FF2B5EF4-FFF2-40B4-BE49-F238E27FC236}">
+                <a16:creationId xmlns:a16="http://schemas.microsoft.com/office/drawing/2014/main" id="{445B384D-E802-4FAF-A350-8E237D62C396}"/>
+              </a:ext>
+            </a:extLst>
+          </p:cNvPr>
+          <p:cNvSpPr/>
+          <p:nvPr/>
+        </p:nvSpPr>
+        <p:spPr>
+          <a:xfrm flipV="1">
+            <a:off x="887455" y="2356821"/>
+            <a:ext cx="329621" cy="326064"/>
+          </a:xfrm>
+          <a:prstGeom prst="ellipse">
+            <a:avLst/>
+          </a:prstGeom>
+          <a:noFill/>
+          <a:ln w="28575">
+            <a:solidFill>
+              <a:schemeClr val="tx1"/>
+            </a:solidFill>
+          </a:ln>
+        </p:spPr>
+        <p:style>
+          <a:lnRef idx="2">
+            <a:schemeClr val="accent1">
+              <a:shade val="50000"/>
+            </a:schemeClr>
+          </a:lnRef>
+          <a:fillRef idx="1">
+            <a:schemeClr val="accent1"/>
+          </a:fillRef>
+          <a:effectRef idx="0">
+            <a:schemeClr val="accent1"/>
+          </a:effectRef>
+          <a:fontRef idx="minor">
+            <a:schemeClr val="lt1"/>
+          </a:fontRef>
+        </p:style>
+        <p:txBody>
+          <a:bodyPr rtlCol="0" anchor="ctr"/>
+          <a:lstStyle/>
+          <a:p>
+            <a:pPr algn="ctr"/>
+            <a:endParaRPr kumimoji="1" lang="ja-JP" altLang="en-US"/>
+          </a:p>
+        </p:txBody>
+      </p:sp>
+      <p:sp>
+        <p:nvSpPr>
+          <p:cNvPr id="27" name="楕円 26">
+            <a:extLst>
+              <a:ext uri="{FF2B5EF4-FFF2-40B4-BE49-F238E27FC236}">
+                <a16:creationId xmlns:a16="http://schemas.microsoft.com/office/drawing/2014/main" id="{54F6D5E9-BC06-4B3D-BC13-CFB03055B136}"/>
+              </a:ext>
+            </a:extLst>
+          </p:cNvPr>
+          <p:cNvSpPr/>
+          <p:nvPr/>
+        </p:nvSpPr>
+        <p:spPr>
+          <a:xfrm flipV="1">
+            <a:off x="924528" y="1374305"/>
+            <a:ext cx="329621" cy="326064"/>
+          </a:xfrm>
+          <a:prstGeom prst="ellipse">
+            <a:avLst/>
+          </a:prstGeom>
+          <a:noFill/>
+          <a:ln w="28575">
+            <a:solidFill>
+              <a:schemeClr val="tx1"/>
+            </a:solidFill>
+          </a:ln>
+        </p:spPr>
+        <p:style>
+          <a:lnRef idx="2">
+            <a:schemeClr val="accent1">
+              <a:shade val="50000"/>
+            </a:schemeClr>
+          </a:lnRef>
+          <a:fillRef idx="1">
+            <a:schemeClr val="accent1"/>
+          </a:fillRef>
+          <a:effectRef idx="0">
+            <a:schemeClr val="accent1"/>
+          </a:effectRef>
+          <a:fontRef idx="minor">
+            <a:schemeClr val="lt1"/>
+          </a:fontRef>
+        </p:style>
+        <p:txBody>
+          <a:bodyPr rtlCol="0" anchor="ctr"/>
+          <a:lstStyle/>
+          <a:p>
+            <a:pPr algn="ctr"/>
+            <a:endParaRPr kumimoji="1" lang="ja-JP" altLang="en-US"/>
+          </a:p>
+        </p:txBody>
+      </p:sp>
+      <p:sp>
+        <p:nvSpPr>
+          <p:cNvPr id="35" name="テキスト ボックス 34">
+            <a:extLst>
+              <a:ext uri="{FF2B5EF4-FFF2-40B4-BE49-F238E27FC236}">
+                <a16:creationId xmlns:a16="http://schemas.microsoft.com/office/drawing/2014/main" id="{64A61AE6-3C3C-48A8-B297-63551D948FE7}"/>
+              </a:ext>
+            </a:extLst>
+          </p:cNvPr>
+          <p:cNvSpPr txBox="1"/>
+          <p:nvPr/>
+        </p:nvSpPr>
+        <p:spPr>
+          <a:xfrm>
+            <a:off x="-47100" y="2076777"/>
+            <a:ext cx="869149" cy="461665"/>
+          </a:xfrm>
+          <a:prstGeom prst="rect">
+            <a:avLst/>
+          </a:prstGeom>
+          <a:noFill/>
+        </p:spPr>
+        <p:txBody>
+          <a:bodyPr wrap="none" rtlCol="0">
+            <a:spAutoFit/>
+          </a:bodyPr>
+          <a:lstStyle/>
+          <a:p>
+            <a:r>
+              <a:rPr kumimoji="1" lang="en-US" altLang="ja-JP" sz="2400" b="1" dirty="0">
+                <a:latin typeface="Times New Roman" panose="02020603050405020304" pitchFamily="18" charset="0"/>
+                <a:cs typeface="Times New Roman" panose="02020603050405020304" pitchFamily="18" charset="0"/>
+              </a:rPr>
+              <a:t>200V</a:t>
+            </a:r>
+            <a:endParaRPr kumimoji="1" lang="ja-JP" altLang="en-US" sz="2400" b="1" dirty="0">
+              <a:latin typeface="Times New Roman" panose="02020603050405020304" pitchFamily="18" charset="0"/>
+              <a:cs typeface="Times New Roman" panose="02020603050405020304" pitchFamily="18" charset="0"/>
+            </a:endParaRPr>
+          </a:p>
+        </p:txBody>
+      </p:sp>
+      <p:sp>
+        <p:nvSpPr>
+          <p:cNvPr id="42" name="テキスト ボックス 41">
+            <a:extLst>
+              <a:ext uri="{FF2B5EF4-FFF2-40B4-BE49-F238E27FC236}">
+                <a16:creationId xmlns:a16="http://schemas.microsoft.com/office/drawing/2014/main" id="{F4417F69-012B-415D-9BF8-6514D0F9777D}"/>
+              </a:ext>
+            </a:extLst>
+          </p:cNvPr>
+          <p:cNvSpPr txBox="1"/>
+          <p:nvPr/>
+        </p:nvSpPr>
+        <p:spPr>
+          <a:xfrm>
+            <a:off x="20311" y="2756221"/>
+            <a:ext cx="615874" cy="461665"/>
+          </a:xfrm>
+          <a:prstGeom prst="rect">
+            <a:avLst/>
+          </a:prstGeom>
+          <a:noFill/>
+        </p:spPr>
+        <p:txBody>
+          <a:bodyPr wrap="none" rtlCol="0">
+            <a:spAutoFit/>
+          </a:bodyPr>
+          <a:lstStyle/>
+          <a:p>
+            <a:r>
+              <a:rPr kumimoji="1" lang="en-US" altLang="ja-JP" sz="2400" b="1" dirty="0">
+                <a:latin typeface="Georgia" panose="02040502050405020303" pitchFamily="18" charset="0"/>
+              </a:rPr>
+              <a:t>ET</a:t>
+            </a:r>
+            <a:endParaRPr kumimoji="1" lang="ja-JP" altLang="en-US" sz="2400" b="1" dirty="0">
+              <a:latin typeface="Georgia" panose="02040502050405020303" pitchFamily="18" charset="0"/>
+            </a:endParaRPr>
+          </a:p>
+        </p:txBody>
+      </p:sp>
+      <p:sp>
+        <p:nvSpPr>
+          <p:cNvPr id="12" name="楕円 11">
+            <a:extLst>
+              <a:ext uri="{FF2B5EF4-FFF2-40B4-BE49-F238E27FC236}">
+                <a16:creationId xmlns:a16="http://schemas.microsoft.com/office/drawing/2014/main" id="{671D4750-0F0B-4F1D-8D38-D8AF53228177}"/>
+              </a:ext>
+            </a:extLst>
+          </p:cNvPr>
+          <p:cNvSpPr/>
+          <p:nvPr/>
+        </p:nvSpPr>
+        <p:spPr>
+          <a:xfrm>
+            <a:off x="3906212" y="3483671"/>
+            <a:ext cx="783696" cy="769441"/>
+          </a:xfrm>
+          <a:prstGeom prst="ellipse">
+            <a:avLst/>
+          </a:prstGeom>
+          <a:solidFill>
+            <a:schemeClr val="bg1"/>
+          </a:solidFill>
+          <a:ln w="38100">
+            <a:solidFill>
+              <a:schemeClr val="bg2">
+                <a:lumMod val="10000"/>
+              </a:schemeClr>
+            </a:solidFill>
+          </a:ln>
+        </p:spPr>
+        <p:style>
+          <a:lnRef idx="2">
+            <a:schemeClr val="accent1">
+              <a:shade val="50000"/>
+            </a:schemeClr>
+          </a:lnRef>
+          <a:fillRef idx="1">
+            <a:schemeClr val="accent1"/>
+          </a:fillRef>
+          <a:effectRef idx="0">
+            <a:schemeClr val="accent1"/>
+          </a:effectRef>
+          <a:fontRef idx="minor">
+            <a:schemeClr val="lt1"/>
+          </a:fontRef>
+        </p:style>
+        <p:txBody>
+          <a:bodyPr rtlCol="0" anchor="ctr"/>
+          <a:lstStyle/>
+          <a:p>
+            <a:pPr algn="ctr"/>
+            <a:endParaRPr kumimoji="1" lang="ja-JP" altLang="en-US"/>
+          </a:p>
+        </p:txBody>
+      </p:sp>
+      <p:sp>
+        <p:nvSpPr>
+          <p:cNvPr id="15" name="テキスト ボックス 14">
+            <a:extLst>
+              <a:ext uri="{FF2B5EF4-FFF2-40B4-BE49-F238E27FC236}">
+                <a16:creationId xmlns:a16="http://schemas.microsoft.com/office/drawing/2014/main" id="{292B9D57-D22B-42A6-99B6-FABB3D49D59D}"/>
+              </a:ext>
+            </a:extLst>
+          </p:cNvPr>
+          <p:cNvSpPr txBox="1"/>
+          <p:nvPr/>
+        </p:nvSpPr>
+        <p:spPr>
+          <a:xfrm>
+            <a:off x="4031254" y="3482116"/>
+            <a:ext cx="533612" cy="769441"/>
+          </a:xfrm>
+          <a:prstGeom prst="rect">
+            <a:avLst/>
+          </a:prstGeom>
+          <a:noFill/>
+        </p:spPr>
+        <p:txBody>
+          <a:bodyPr wrap="square" rtlCol="0">
+            <a:spAutoFit/>
+          </a:bodyPr>
+          <a:lstStyle/>
+          <a:p>
+            <a:r>
+              <a:rPr kumimoji="1" lang="en-US" altLang="ja-JP" sz="4400" dirty="0">
+                <a:latin typeface="Cambria Math" panose="02040503050406030204" pitchFamily="18" charset="0"/>
+                <a:ea typeface="Cambria Math" panose="02040503050406030204" pitchFamily="18" charset="0"/>
+              </a:rPr>
+              <a:t>R</a:t>
+            </a:r>
+            <a:endParaRPr kumimoji="1" lang="ja-JP" altLang="en-US" sz="4400" dirty="0">
+              <a:latin typeface="Cambria Math" panose="02040503050406030204" pitchFamily="18" charset="0"/>
+            </a:endParaRPr>
+          </a:p>
+        </p:txBody>
+      </p:sp>
+      <p:cxnSp>
+        <p:nvCxnSpPr>
+          <p:cNvPr id="41" name="直線コネクタ 40">
+            <a:extLst>
+              <a:ext uri="{FF2B5EF4-FFF2-40B4-BE49-F238E27FC236}">
+                <a16:creationId xmlns:a16="http://schemas.microsoft.com/office/drawing/2014/main" id="{4C2B30E4-9EB5-40F8-ABAC-12C488795AA1}"/>
+              </a:ext>
+            </a:extLst>
+          </p:cNvPr>
+          <p:cNvCxnSpPr>
+            <a:cxnSpLocks/>
+          </p:cNvCxnSpPr>
+          <p:nvPr/>
+        </p:nvCxnSpPr>
+        <p:spPr>
+          <a:xfrm flipH="1">
+            <a:off x="5891890" y="4489217"/>
+            <a:ext cx="446220" cy="194476"/>
+          </a:xfrm>
+          <a:prstGeom prst="line">
+            <a:avLst/>
+          </a:prstGeom>
+          <a:ln w="19050">
+            <a:solidFill>
+              <a:schemeClr val="bg2">
+                <a:lumMod val="10000"/>
+              </a:schemeClr>
+            </a:solidFill>
+          </a:ln>
+        </p:spPr>
+        <p:style>
+          <a:lnRef idx="1">
+            <a:schemeClr val="accent1"/>
+          </a:lnRef>
+          <a:fillRef idx="0">
+            <a:schemeClr val="accent1"/>
+          </a:fillRef>
+          <a:effectRef idx="0">
+            <a:schemeClr val="accent1"/>
+          </a:effectRef>
+          <a:fontRef idx="minor">
+            <a:schemeClr val="tx1"/>
+          </a:fontRef>
+        </p:style>
+      </p:cxnSp>
+      <p:sp>
+        <p:nvSpPr>
+          <p:cNvPr id="43" name="楕円 42">
+            <a:extLst>
+              <a:ext uri="{FF2B5EF4-FFF2-40B4-BE49-F238E27FC236}">
+                <a16:creationId xmlns:a16="http://schemas.microsoft.com/office/drawing/2014/main" id="{65195C42-2B72-43CA-9B45-30A87577AE45}"/>
+              </a:ext>
+            </a:extLst>
+          </p:cNvPr>
+          <p:cNvSpPr/>
+          <p:nvPr/>
+        </p:nvSpPr>
+        <p:spPr>
+          <a:xfrm flipV="1">
+            <a:off x="6403694" y="4665195"/>
+            <a:ext cx="176092" cy="182966"/>
+          </a:xfrm>
+          <a:prstGeom prst="ellipse">
+            <a:avLst/>
+          </a:prstGeom>
+          <a:noFill/>
+          <a:ln w="28575">
+            <a:solidFill>
+              <a:schemeClr val="tx1"/>
+            </a:solidFill>
+          </a:ln>
+        </p:spPr>
+        <p:style>
+          <a:lnRef idx="2">
+            <a:schemeClr val="accent1">
+              <a:shade val="50000"/>
+            </a:schemeClr>
+          </a:lnRef>
+          <a:fillRef idx="1">
+            <a:schemeClr val="accent1"/>
+          </a:fillRef>
+          <a:effectRef idx="0">
+            <a:schemeClr val="accent1"/>
+          </a:effectRef>
+          <a:fontRef idx="minor">
+            <a:schemeClr val="lt1"/>
+          </a:fontRef>
+        </p:style>
+        <p:txBody>
+          <a:bodyPr rtlCol="0" anchor="ctr"/>
+          <a:lstStyle/>
+          <a:p>
+            <a:pPr algn="ctr"/>
+            <a:endParaRPr kumimoji="1" lang="ja-JP" altLang="en-US"/>
+          </a:p>
+        </p:txBody>
+      </p:sp>
+      <p:sp>
+        <p:nvSpPr>
+          <p:cNvPr id="44" name="楕円 43">
+            <a:extLst>
+              <a:ext uri="{FF2B5EF4-FFF2-40B4-BE49-F238E27FC236}">
+                <a16:creationId xmlns:a16="http://schemas.microsoft.com/office/drawing/2014/main" id="{0E9BCD05-B22B-4BC6-BB23-95E974922C24}"/>
+              </a:ext>
+            </a:extLst>
+          </p:cNvPr>
+          <p:cNvSpPr/>
+          <p:nvPr/>
+        </p:nvSpPr>
+        <p:spPr>
+          <a:xfrm flipV="1">
+            <a:off x="5842978" y="4664850"/>
+            <a:ext cx="176092" cy="182966"/>
+          </a:xfrm>
+          <a:prstGeom prst="ellipse">
+            <a:avLst/>
+          </a:prstGeom>
+          <a:noFill/>
+          <a:ln w="28575">
+            <a:solidFill>
+              <a:schemeClr val="tx1"/>
+            </a:solidFill>
+          </a:ln>
+        </p:spPr>
+        <p:style>
+          <a:lnRef idx="2">
+            <a:schemeClr val="accent1">
+              <a:shade val="50000"/>
+            </a:schemeClr>
+          </a:lnRef>
+          <a:fillRef idx="1">
+            <a:schemeClr val="accent1"/>
+          </a:fillRef>
+          <a:effectRef idx="0">
+            <a:schemeClr val="accent1"/>
+          </a:effectRef>
+          <a:fontRef idx="minor">
+            <a:schemeClr val="lt1"/>
+          </a:fontRef>
+        </p:style>
+        <p:txBody>
+          <a:bodyPr rtlCol="0" anchor="ctr"/>
+          <a:lstStyle/>
+          <a:p>
+            <a:pPr algn="ctr"/>
+            <a:endParaRPr kumimoji="1" lang="ja-JP" altLang="en-US"/>
+          </a:p>
+        </p:txBody>
+      </p:sp>
+      <p:sp>
+        <p:nvSpPr>
+          <p:cNvPr id="45" name="テキスト ボックス 44">
+            <a:extLst>
+              <a:ext uri="{FF2B5EF4-FFF2-40B4-BE49-F238E27FC236}">
+                <a16:creationId xmlns:a16="http://schemas.microsoft.com/office/drawing/2014/main" id="{BD877FB8-E624-4F6F-8C3D-F6ED26EC99EE}"/>
+              </a:ext>
+            </a:extLst>
+          </p:cNvPr>
+          <p:cNvSpPr txBox="1"/>
+          <p:nvPr/>
+        </p:nvSpPr>
+        <p:spPr>
+          <a:xfrm>
+            <a:off x="5290090" y="4489217"/>
+            <a:ext cx="492443" cy="461665"/>
+          </a:xfrm>
+          <a:prstGeom prst="rect">
+            <a:avLst/>
+          </a:prstGeom>
+          <a:noFill/>
+        </p:spPr>
+        <p:txBody>
+          <a:bodyPr wrap="none" rtlCol="0">
+            <a:spAutoFit/>
+          </a:bodyPr>
+          <a:lstStyle/>
+          <a:p>
+            <a:r>
+              <a:rPr kumimoji="1" lang="ja-JP" altLang="en-US" sz="2400" b="1" dirty="0">
+                <a:latin typeface="Georgia" panose="02040502050405020303" pitchFamily="18" charset="0"/>
+              </a:rPr>
+              <a:t>イ</a:t>
+            </a:r>
+          </a:p>
+        </p:txBody>
+      </p:sp>
+      <p:sp>
+        <p:nvSpPr>
+          <p:cNvPr id="31" name="楕円 30">
+            <a:extLst>
+              <a:ext uri="{FF2B5EF4-FFF2-40B4-BE49-F238E27FC236}">
+                <a16:creationId xmlns:a16="http://schemas.microsoft.com/office/drawing/2014/main" id="{7D83081F-D275-42E6-84C0-E6230ECB9862}"/>
+              </a:ext>
+            </a:extLst>
+          </p:cNvPr>
+          <p:cNvSpPr/>
+          <p:nvPr/>
+        </p:nvSpPr>
+        <p:spPr>
+          <a:xfrm>
+            <a:off x="5808241" y="5965286"/>
+            <a:ext cx="786798" cy="736573"/>
+          </a:xfrm>
+          <a:prstGeom prst="ellipse">
+            <a:avLst/>
+          </a:prstGeom>
+          <a:solidFill>
+            <a:schemeClr val="bg1"/>
+          </a:solidFill>
+          <a:ln w="38100">
+            <a:solidFill>
+              <a:schemeClr val="bg2">
+                <a:lumMod val="10000"/>
+              </a:schemeClr>
+            </a:solidFill>
+          </a:ln>
+        </p:spPr>
+        <p:style>
+          <a:lnRef idx="2">
+            <a:schemeClr val="accent1">
+              <a:shade val="50000"/>
+            </a:schemeClr>
+          </a:lnRef>
+          <a:fillRef idx="1">
+            <a:schemeClr val="accent1"/>
+          </a:fillRef>
+          <a:effectRef idx="0">
+            <a:schemeClr val="accent1"/>
+          </a:effectRef>
+          <a:fontRef idx="minor">
+            <a:schemeClr val="lt1"/>
+          </a:fontRef>
+        </p:style>
+        <p:txBody>
+          <a:bodyPr rtlCol="0" anchor="ctr"/>
+          <a:lstStyle/>
+          <a:p>
+            <a:pPr algn="ctr"/>
+            <a:endParaRPr kumimoji="1" lang="ja-JP" altLang="en-US"/>
+          </a:p>
+        </p:txBody>
+      </p:sp>
+      <p:cxnSp>
+        <p:nvCxnSpPr>
+          <p:cNvPr id="32" name="直線コネクタ 31">
+            <a:extLst>
+              <a:ext uri="{FF2B5EF4-FFF2-40B4-BE49-F238E27FC236}">
+                <a16:creationId xmlns:a16="http://schemas.microsoft.com/office/drawing/2014/main" id="{DD446381-8A59-4D5B-BEEF-C8C30FBB975F}"/>
+              </a:ext>
+            </a:extLst>
+          </p:cNvPr>
+          <p:cNvCxnSpPr>
+            <a:cxnSpLocks/>
+          </p:cNvCxnSpPr>
+          <p:nvPr/>
+        </p:nvCxnSpPr>
+        <p:spPr>
+          <a:xfrm flipH="1" flipV="1">
+            <a:off x="5915721" y="6533656"/>
+            <a:ext cx="571838" cy="345"/>
+          </a:xfrm>
+          <a:prstGeom prst="line">
+            <a:avLst/>
+          </a:prstGeom>
+          <a:ln w="57150">
+            <a:solidFill>
+              <a:schemeClr val="bg2">
+                <a:lumMod val="10000"/>
+              </a:schemeClr>
+            </a:solidFill>
+          </a:ln>
+        </p:spPr>
+        <p:style>
+          <a:lnRef idx="1">
+            <a:schemeClr val="accent1"/>
+          </a:lnRef>
+          <a:fillRef idx="0">
+            <a:schemeClr val="accent1"/>
+          </a:fillRef>
+          <a:effectRef idx="0">
+            <a:schemeClr val="accent1"/>
+          </a:effectRef>
+          <a:fontRef idx="minor">
+            <a:schemeClr val="tx1"/>
+          </a:fontRef>
+        </p:style>
+      </p:cxnSp>
+      <p:cxnSp>
+        <p:nvCxnSpPr>
+          <p:cNvPr id="33" name="直線コネクタ 32">
+            <a:extLst>
+              <a:ext uri="{FF2B5EF4-FFF2-40B4-BE49-F238E27FC236}">
+                <a16:creationId xmlns:a16="http://schemas.microsoft.com/office/drawing/2014/main" id="{49C55509-B0A1-424B-B81B-75CA2C637754}"/>
+              </a:ext>
+            </a:extLst>
+          </p:cNvPr>
+          <p:cNvCxnSpPr>
+            <a:cxnSpLocks/>
+          </p:cNvCxnSpPr>
+          <p:nvPr/>
+        </p:nvCxnSpPr>
+        <p:spPr>
+          <a:xfrm flipV="1">
+            <a:off x="6097128" y="5965286"/>
+            <a:ext cx="0" cy="554960"/>
+          </a:xfrm>
+          <a:prstGeom prst="line">
+            <a:avLst/>
+          </a:prstGeom>
+          <a:ln w="57150">
+            <a:solidFill>
+              <a:schemeClr val="bg2">
+                <a:lumMod val="10000"/>
+              </a:schemeClr>
+            </a:solidFill>
+          </a:ln>
+        </p:spPr>
+        <p:style>
+          <a:lnRef idx="1">
+            <a:schemeClr val="accent1"/>
+          </a:lnRef>
+          <a:fillRef idx="0">
+            <a:schemeClr val="accent1"/>
+          </a:fillRef>
+          <a:effectRef idx="0">
+            <a:schemeClr val="accent1"/>
+          </a:effectRef>
+          <a:fontRef idx="minor">
+            <a:schemeClr val="tx1"/>
+          </a:fontRef>
+        </p:style>
+      </p:cxnSp>
+      <p:cxnSp>
+        <p:nvCxnSpPr>
+          <p:cNvPr id="34" name="直線コネクタ 33">
+            <a:extLst>
+              <a:ext uri="{FF2B5EF4-FFF2-40B4-BE49-F238E27FC236}">
+                <a16:creationId xmlns:a16="http://schemas.microsoft.com/office/drawing/2014/main" id="{0AF562F5-3265-47F7-995B-D2D08456A2B0}"/>
+              </a:ext>
+            </a:extLst>
+          </p:cNvPr>
+          <p:cNvCxnSpPr>
+            <a:cxnSpLocks/>
+          </p:cNvCxnSpPr>
+          <p:nvPr/>
+        </p:nvCxnSpPr>
+        <p:spPr>
+          <a:xfrm flipV="1">
+            <a:off x="6303373" y="5966539"/>
+            <a:ext cx="0" cy="554960"/>
+          </a:xfrm>
+          <a:prstGeom prst="line">
+            <a:avLst/>
+          </a:prstGeom>
+          <a:ln w="57150">
+            <a:solidFill>
+              <a:schemeClr val="bg2">
+                <a:lumMod val="10000"/>
+              </a:schemeClr>
+            </a:solidFill>
+          </a:ln>
+        </p:spPr>
+        <p:style>
+          <a:lnRef idx="1">
+            <a:schemeClr val="accent1"/>
+          </a:lnRef>
+          <a:fillRef idx="0">
+            <a:schemeClr val="accent1"/>
+          </a:fillRef>
+          <a:effectRef idx="0">
+            <a:schemeClr val="accent1"/>
+          </a:effectRef>
+          <a:fontRef idx="minor">
+            <a:schemeClr val="tx1"/>
+          </a:fontRef>
+        </p:style>
+      </p:cxnSp>
+      <p:sp>
+        <p:nvSpPr>
+          <p:cNvPr id="36" name="テキスト ボックス 35">
+            <a:extLst>
+              <a:ext uri="{FF2B5EF4-FFF2-40B4-BE49-F238E27FC236}">
+                <a16:creationId xmlns:a16="http://schemas.microsoft.com/office/drawing/2014/main" id="{AB441B7E-93F8-49E7-A350-FD502021D8E4}"/>
+              </a:ext>
+            </a:extLst>
+          </p:cNvPr>
+          <p:cNvSpPr txBox="1"/>
+          <p:nvPr/>
+        </p:nvSpPr>
+        <p:spPr>
+          <a:xfrm>
+            <a:off x="2784201" y="4911603"/>
+            <a:ext cx="405880" cy="461665"/>
+          </a:xfrm>
+          <a:prstGeom prst="rect">
+            <a:avLst/>
+          </a:prstGeom>
+          <a:noFill/>
+        </p:spPr>
+        <p:txBody>
+          <a:bodyPr wrap="none" rtlCol="0">
+            <a:spAutoFit/>
+          </a:bodyPr>
+          <a:lstStyle/>
+          <a:p>
+            <a:r>
+              <a:rPr kumimoji="1" lang="en-US" altLang="ja-JP" sz="2400" b="1" dirty="0">
+                <a:latin typeface="Georgia" panose="02040502050405020303" pitchFamily="18" charset="0"/>
+              </a:rPr>
+              <a:t>E</a:t>
+            </a:r>
+            <a:endParaRPr kumimoji="1" lang="ja-JP" altLang="en-US" sz="2400" b="1" dirty="0">
+              <a:latin typeface="Georgia" panose="02040502050405020303" pitchFamily="18" charset="0"/>
+            </a:endParaRPr>
+          </a:p>
+        </p:txBody>
+      </p:sp>
+      <p:cxnSp>
+        <p:nvCxnSpPr>
+          <p:cNvPr id="48" name="直線コネクタ 47">
+            <a:extLst>
+              <a:ext uri="{FF2B5EF4-FFF2-40B4-BE49-F238E27FC236}">
+                <a16:creationId xmlns:a16="http://schemas.microsoft.com/office/drawing/2014/main" id="{C9B64327-3B59-44AA-91F2-B2D14927657F}"/>
+              </a:ext>
+            </a:extLst>
+          </p:cNvPr>
+          <p:cNvCxnSpPr>
+            <a:cxnSpLocks/>
+          </p:cNvCxnSpPr>
+          <p:nvPr/>
+        </p:nvCxnSpPr>
+        <p:spPr>
+          <a:xfrm flipH="1">
+            <a:off x="5946686" y="5198764"/>
+            <a:ext cx="391424" cy="222758"/>
+          </a:xfrm>
+          <a:prstGeom prst="line">
+            <a:avLst/>
+          </a:prstGeom>
+          <a:ln w="19050">
+            <a:solidFill>
+              <a:schemeClr val="bg2">
+                <a:lumMod val="10000"/>
+              </a:schemeClr>
+            </a:solidFill>
+          </a:ln>
+        </p:spPr>
+        <p:style>
+          <a:lnRef idx="1">
+            <a:schemeClr val="accent1"/>
+          </a:lnRef>
+          <a:fillRef idx="0">
+            <a:schemeClr val="accent1"/>
+          </a:fillRef>
+          <a:effectRef idx="0">
+            <a:schemeClr val="accent1"/>
+          </a:effectRef>
+          <a:fontRef idx="minor">
+            <a:schemeClr val="tx1"/>
+          </a:fontRef>
+        </p:style>
+      </p:cxnSp>
+      <p:sp>
+        <p:nvSpPr>
+          <p:cNvPr id="49" name="楕円 48">
+            <a:extLst>
+              <a:ext uri="{FF2B5EF4-FFF2-40B4-BE49-F238E27FC236}">
+                <a16:creationId xmlns:a16="http://schemas.microsoft.com/office/drawing/2014/main" id="{7087E51D-0B67-4FBA-A701-B89B9B1115DE}"/>
+              </a:ext>
+            </a:extLst>
+          </p:cNvPr>
+          <p:cNvSpPr/>
+          <p:nvPr/>
+        </p:nvSpPr>
+        <p:spPr>
+          <a:xfrm flipV="1">
+            <a:off x="6392468" y="5429597"/>
+            <a:ext cx="176092" cy="182966"/>
+          </a:xfrm>
+          <a:prstGeom prst="ellipse">
+            <a:avLst/>
+          </a:prstGeom>
+          <a:noFill/>
+          <a:ln w="28575">
+            <a:solidFill>
+              <a:schemeClr val="tx1"/>
+            </a:solidFill>
+          </a:ln>
+        </p:spPr>
+        <p:style>
+          <a:lnRef idx="2">
+            <a:schemeClr val="accent1">
+              <a:shade val="50000"/>
+            </a:schemeClr>
+          </a:lnRef>
+          <a:fillRef idx="1">
+            <a:schemeClr val="accent1"/>
+          </a:fillRef>
+          <a:effectRef idx="0">
+            <a:schemeClr val="accent1"/>
+          </a:effectRef>
+          <a:fontRef idx="minor">
+            <a:schemeClr val="lt1"/>
+          </a:fontRef>
+        </p:style>
+        <p:txBody>
+          <a:bodyPr rtlCol="0" anchor="ctr"/>
+          <a:lstStyle/>
+          <a:p>
+            <a:pPr algn="ctr"/>
+            <a:endParaRPr kumimoji="1" lang="ja-JP" altLang="en-US"/>
+          </a:p>
+        </p:txBody>
+      </p:sp>
+      <p:sp>
+        <p:nvSpPr>
+          <p:cNvPr id="51" name="楕円 50">
+            <a:extLst>
+              <a:ext uri="{FF2B5EF4-FFF2-40B4-BE49-F238E27FC236}">
+                <a16:creationId xmlns:a16="http://schemas.microsoft.com/office/drawing/2014/main" id="{C98E1560-E692-46A1-9A62-45BC9E954754}"/>
+              </a:ext>
+            </a:extLst>
+          </p:cNvPr>
+          <p:cNvSpPr/>
+          <p:nvPr/>
+        </p:nvSpPr>
+        <p:spPr>
+          <a:xfrm flipV="1">
+            <a:off x="5831752" y="5429252"/>
+            <a:ext cx="176092" cy="182966"/>
+          </a:xfrm>
+          <a:prstGeom prst="ellipse">
+            <a:avLst/>
+          </a:prstGeom>
+          <a:noFill/>
+          <a:ln w="28575">
+            <a:solidFill>
+              <a:schemeClr val="tx1"/>
+            </a:solidFill>
+          </a:ln>
+        </p:spPr>
+        <p:style>
+          <a:lnRef idx="2">
+            <a:schemeClr val="accent1">
+              <a:shade val="50000"/>
+            </a:schemeClr>
+          </a:lnRef>
+          <a:fillRef idx="1">
+            <a:schemeClr val="accent1"/>
+          </a:fillRef>
+          <a:effectRef idx="0">
+            <a:schemeClr val="accent1"/>
+          </a:effectRef>
+          <a:fontRef idx="minor">
+            <a:schemeClr val="lt1"/>
+          </a:fontRef>
+        </p:style>
+        <p:txBody>
+          <a:bodyPr rtlCol="0" anchor="ctr"/>
+          <a:lstStyle/>
+          <a:p>
+            <a:pPr algn="ctr"/>
+            <a:endParaRPr kumimoji="1" lang="ja-JP" altLang="en-US"/>
+          </a:p>
+        </p:txBody>
+      </p:sp>
+      <p:sp>
+        <p:nvSpPr>
+          <p:cNvPr id="52" name="テキスト ボックス 51">
+            <a:extLst>
+              <a:ext uri="{FF2B5EF4-FFF2-40B4-BE49-F238E27FC236}">
+                <a16:creationId xmlns:a16="http://schemas.microsoft.com/office/drawing/2014/main" id="{E4056A8F-0BBF-4892-8B3A-C2FBC57E2753}"/>
+              </a:ext>
+            </a:extLst>
+          </p:cNvPr>
+          <p:cNvSpPr txBox="1"/>
+          <p:nvPr/>
+        </p:nvSpPr>
+        <p:spPr>
+          <a:xfrm>
+            <a:off x="5253445" y="5284826"/>
+            <a:ext cx="492443" cy="461665"/>
+          </a:xfrm>
+          <a:prstGeom prst="rect">
+            <a:avLst/>
+          </a:prstGeom>
+          <a:noFill/>
+        </p:spPr>
+        <p:txBody>
+          <a:bodyPr wrap="none" rtlCol="0">
+            <a:spAutoFit/>
+          </a:bodyPr>
+          <a:lstStyle/>
+          <a:p>
+            <a:r>
+              <a:rPr kumimoji="1" lang="ja-JP" altLang="en-US" sz="2400" b="1" dirty="0">
+                <a:latin typeface="Georgia" panose="02040502050405020303" pitchFamily="18" charset="0"/>
+              </a:rPr>
+              <a:t>ロ</a:t>
+            </a:r>
+          </a:p>
+        </p:txBody>
+      </p:sp>
+      <p:cxnSp>
+        <p:nvCxnSpPr>
+          <p:cNvPr id="37" name="直線コネクタ 36">
+            <a:extLst>
+              <a:ext uri="{FF2B5EF4-FFF2-40B4-BE49-F238E27FC236}">
+                <a16:creationId xmlns:a16="http://schemas.microsoft.com/office/drawing/2014/main" id="{29B12BC6-9F6C-4CD3-868B-0C5A33E048FB}"/>
+              </a:ext>
+            </a:extLst>
+          </p:cNvPr>
+          <p:cNvCxnSpPr>
+            <a:cxnSpLocks/>
+          </p:cNvCxnSpPr>
+          <p:nvPr/>
+        </p:nvCxnSpPr>
+        <p:spPr>
+          <a:xfrm flipV="1">
+            <a:off x="1119437" y="820132"/>
+            <a:ext cx="9410303" cy="107930"/>
+          </a:xfrm>
+          <a:prstGeom prst="line">
+            <a:avLst/>
+          </a:prstGeom>
+          <a:ln w="57150">
+            <a:solidFill>
+              <a:schemeClr val="accent1">
+                <a:lumMod val="60000"/>
+                <a:lumOff val="40000"/>
+              </a:schemeClr>
+            </a:solidFill>
+          </a:ln>
+        </p:spPr>
+        <p:style>
+          <a:lnRef idx="1">
+            <a:schemeClr val="accent1"/>
+          </a:lnRef>
+          <a:fillRef idx="0">
+            <a:schemeClr val="accent1"/>
+          </a:fillRef>
+          <a:effectRef idx="0">
+            <a:schemeClr val="accent1"/>
+          </a:effectRef>
+          <a:fontRef idx="minor">
+            <a:schemeClr val="tx1"/>
+          </a:fontRef>
+        </p:style>
+      </p:cxnSp>
+      <p:cxnSp>
+        <p:nvCxnSpPr>
+          <p:cNvPr id="38" name="直線コネクタ 37">
+            <a:extLst>
+              <a:ext uri="{FF2B5EF4-FFF2-40B4-BE49-F238E27FC236}">
+                <a16:creationId xmlns:a16="http://schemas.microsoft.com/office/drawing/2014/main" id="{4DA264B6-505A-4441-A1B9-5F1F14AFD769}"/>
+              </a:ext>
+            </a:extLst>
+          </p:cNvPr>
+          <p:cNvCxnSpPr>
+            <a:cxnSpLocks/>
+          </p:cNvCxnSpPr>
+          <p:nvPr/>
+        </p:nvCxnSpPr>
+        <p:spPr>
+          <a:xfrm flipV="1">
+            <a:off x="4147231" y="891461"/>
+            <a:ext cx="3209911" cy="808908"/>
+          </a:xfrm>
+          <a:prstGeom prst="line">
+            <a:avLst/>
+          </a:prstGeom>
+          <a:ln w="57150">
+            <a:solidFill>
+              <a:schemeClr val="accent1">
+                <a:lumMod val="60000"/>
+                <a:lumOff val="40000"/>
+              </a:schemeClr>
+            </a:solidFill>
+          </a:ln>
+        </p:spPr>
+        <p:style>
+          <a:lnRef idx="1">
+            <a:schemeClr val="accent1"/>
+          </a:lnRef>
+          <a:fillRef idx="0">
+            <a:schemeClr val="accent1"/>
+          </a:fillRef>
+          <a:effectRef idx="0">
+            <a:schemeClr val="accent1"/>
+          </a:effectRef>
+          <a:fontRef idx="minor">
+            <a:schemeClr val="tx1"/>
+          </a:fontRef>
+        </p:style>
+      </p:cxnSp>
+      <p:cxnSp>
+        <p:nvCxnSpPr>
+          <p:cNvPr id="39" name="直線コネクタ 38">
+            <a:extLst>
+              <a:ext uri="{FF2B5EF4-FFF2-40B4-BE49-F238E27FC236}">
+                <a16:creationId xmlns:a16="http://schemas.microsoft.com/office/drawing/2014/main" id="{EE8560A7-927F-4970-B258-F8DC1AFDA3DD}"/>
+              </a:ext>
+            </a:extLst>
+          </p:cNvPr>
+          <p:cNvCxnSpPr>
+            <a:cxnSpLocks/>
+          </p:cNvCxnSpPr>
+          <p:nvPr/>
+        </p:nvCxnSpPr>
+        <p:spPr>
+          <a:xfrm flipV="1">
+            <a:off x="4147231" y="1714541"/>
+            <a:ext cx="12799" cy="1829524"/>
+          </a:xfrm>
+          <a:prstGeom prst="line">
+            <a:avLst/>
+          </a:prstGeom>
+          <a:ln w="57150">
+            <a:solidFill>
+              <a:schemeClr val="accent1">
+                <a:lumMod val="60000"/>
+                <a:lumOff val="40000"/>
+              </a:schemeClr>
+            </a:solidFill>
+          </a:ln>
+        </p:spPr>
+        <p:style>
+          <a:lnRef idx="1">
+            <a:schemeClr val="accent1"/>
+          </a:lnRef>
+          <a:fillRef idx="0">
+            <a:schemeClr val="accent1"/>
+          </a:fillRef>
+          <a:effectRef idx="0">
+            <a:schemeClr val="accent1"/>
+          </a:effectRef>
+          <a:fontRef idx="minor">
+            <a:schemeClr val="tx1"/>
+          </a:fontRef>
+        </p:style>
+      </p:cxnSp>
+      <p:sp>
+        <p:nvSpPr>
+          <p:cNvPr id="46" name="楕円 45">
+            <a:extLst>
+              <a:ext uri="{FF2B5EF4-FFF2-40B4-BE49-F238E27FC236}">
+                <a16:creationId xmlns:a16="http://schemas.microsoft.com/office/drawing/2014/main" id="{7897B65C-67A7-435A-8142-915881BE6A70}"/>
+              </a:ext>
+            </a:extLst>
+          </p:cNvPr>
+          <p:cNvSpPr/>
+          <p:nvPr/>
+        </p:nvSpPr>
+        <p:spPr>
+          <a:xfrm flipV="1">
+            <a:off x="7256018" y="799978"/>
+            <a:ext cx="176092" cy="182966"/>
+          </a:xfrm>
+          <a:prstGeom prst="ellipse">
+            <a:avLst/>
+          </a:prstGeom>
+          <a:solidFill>
+            <a:schemeClr val="tx1"/>
+          </a:solidFill>
+          <a:ln w="28575">
+            <a:noFill/>
+          </a:ln>
+        </p:spPr>
+        <p:style>
+          <a:lnRef idx="2">
+            <a:schemeClr val="accent1">
+              <a:shade val="50000"/>
+            </a:schemeClr>
+          </a:lnRef>
+          <a:fillRef idx="1">
+            <a:schemeClr val="accent1"/>
+          </a:fillRef>
+          <a:effectRef idx="0">
+            <a:schemeClr val="accent1"/>
+          </a:effectRef>
+          <a:fontRef idx="minor">
+            <a:schemeClr val="lt1"/>
+          </a:fontRef>
+        </p:style>
+        <p:txBody>
+          <a:bodyPr rtlCol="0" anchor="ctr"/>
+          <a:lstStyle/>
+          <a:p>
+            <a:pPr algn="ctr"/>
+            <a:endParaRPr kumimoji="1" lang="ja-JP" altLang="en-US"/>
+          </a:p>
+        </p:txBody>
+      </p:sp>
+      <p:cxnSp>
+        <p:nvCxnSpPr>
+          <p:cNvPr id="47" name="直線コネクタ 46">
+            <a:extLst>
+              <a:ext uri="{FF2B5EF4-FFF2-40B4-BE49-F238E27FC236}">
+                <a16:creationId xmlns:a16="http://schemas.microsoft.com/office/drawing/2014/main" id="{C6AD9ACA-BF27-4490-9721-99BDEEF96945}"/>
+              </a:ext>
+            </a:extLst>
+          </p:cNvPr>
+          <p:cNvCxnSpPr>
+            <a:cxnSpLocks/>
+          </p:cNvCxnSpPr>
+          <p:nvPr/>
+        </p:nvCxnSpPr>
+        <p:spPr>
+          <a:xfrm flipV="1">
+            <a:off x="7328382" y="901520"/>
+            <a:ext cx="40771" cy="4562885"/>
+          </a:xfrm>
+          <a:prstGeom prst="line">
+            <a:avLst/>
+          </a:prstGeom>
+          <a:ln w="57150">
+            <a:solidFill>
+              <a:schemeClr val="accent1">
+                <a:lumMod val="60000"/>
+                <a:lumOff val="40000"/>
+              </a:schemeClr>
+            </a:solidFill>
+          </a:ln>
+        </p:spPr>
+        <p:style>
+          <a:lnRef idx="1">
+            <a:schemeClr val="accent1"/>
+          </a:lnRef>
+          <a:fillRef idx="0">
+            <a:schemeClr val="accent1"/>
+          </a:fillRef>
+          <a:effectRef idx="0">
+            <a:schemeClr val="accent1"/>
+          </a:effectRef>
+          <a:fontRef idx="minor">
+            <a:schemeClr val="tx1"/>
+          </a:fontRef>
+        </p:style>
+      </p:cxnSp>
+      <p:cxnSp>
+        <p:nvCxnSpPr>
+          <p:cNvPr id="53" name="直線コネクタ 52">
+            <a:extLst>
+              <a:ext uri="{FF2B5EF4-FFF2-40B4-BE49-F238E27FC236}">
+                <a16:creationId xmlns:a16="http://schemas.microsoft.com/office/drawing/2014/main" id="{9C54E4FA-D161-4C43-8984-51EAB6A8E89B}"/>
+              </a:ext>
+            </a:extLst>
+          </p:cNvPr>
+          <p:cNvCxnSpPr>
+            <a:cxnSpLocks/>
+          </p:cNvCxnSpPr>
+          <p:nvPr/>
+        </p:nvCxnSpPr>
+        <p:spPr>
+          <a:xfrm flipH="1">
+            <a:off x="6532010" y="5464405"/>
+            <a:ext cx="796372" cy="729594"/>
+          </a:xfrm>
+          <a:prstGeom prst="line">
+            <a:avLst/>
+          </a:prstGeom>
+          <a:ln w="57150">
+            <a:solidFill>
+              <a:schemeClr val="accent1">
+                <a:lumMod val="60000"/>
+                <a:lumOff val="40000"/>
+              </a:schemeClr>
+            </a:solidFill>
+          </a:ln>
+        </p:spPr>
+        <p:style>
+          <a:lnRef idx="1">
+            <a:schemeClr val="accent1"/>
+          </a:lnRef>
+          <a:fillRef idx="0">
+            <a:schemeClr val="accent1"/>
+          </a:fillRef>
+          <a:effectRef idx="0">
+            <a:schemeClr val="accent1"/>
+          </a:effectRef>
+          <a:fontRef idx="minor">
+            <a:schemeClr val="tx1"/>
+          </a:fontRef>
+        </p:style>
+      </p:cxnSp>
+      <p:cxnSp>
+        <p:nvCxnSpPr>
+          <p:cNvPr id="40" name="直線コネクタ 39">
+            <a:extLst>
+              <a:ext uri="{FF2B5EF4-FFF2-40B4-BE49-F238E27FC236}">
+                <a16:creationId xmlns:a16="http://schemas.microsoft.com/office/drawing/2014/main" id="{51AF01A5-36C3-4205-813D-9CF27AE1D5C9}"/>
+              </a:ext>
+            </a:extLst>
+          </p:cNvPr>
+          <p:cNvCxnSpPr>
+            <a:cxnSpLocks/>
+          </p:cNvCxnSpPr>
+          <p:nvPr/>
+        </p:nvCxnSpPr>
+        <p:spPr>
+          <a:xfrm flipH="1">
+            <a:off x="1074655" y="1467293"/>
+            <a:ext cx="4906992" cy="95663"/>
+          </a:xfrm>
+          <a:prstGeom prst="line">
+            <a:avLst/>
+          </a:prstGeom>
+          <a:ln w="57150">
+            <a:solidFill>
+              <a:schemeClr val="bg2">
+                <a:lumMod val="10000"/>
+              </a:schemeClr>
+            </a:solidFill>
+          </a:ln>
+        </p:spPr>
+        <p:style>
+          <a:lnRef idx="1">
+            <a:schemeClr val="accent1"/>
+          </a:lnRef>
+          <a:fillRef idx="0">
+            <a:schemeClr val="accent1"/>
+          </a:fillRef>
+          <a:effectRef idx="0">
+            <a:schemeClr val="accent1"/>
+          </a:effectRef>
+          <a:fontRef idx="minor">
+            <a:schemeClr val="tx1"/>
+          </a:fontRef>
+        </p:style>
+      </p:cxnSp>
+      <p:cxnSp>
+        <p:nvCxnSpPr>
+          <p:cNvPr id="54" name="直線コネクタ 53">
+            <a:extLst>
+              <a:ext uri="{FF2B5EF4-FFF2-40B4-BE49-F238E27FC236}">
+                <a16:creationId xmlns:a16="http://schemas.microsoft.com/office/drawing/2014/main" id="{9332E68C-A919-47EE-8FEE-F358F8F95B59}"/>
+              </a:ext>
+            </a:extLst>
+          </p:cNvPr>
+          <p:cNvCxnSpPr>
+            <a:cxnSpLocks/>
+          </p:cNvCxnSpPr>
+          <p:nvPr/>
+        </p:nvCxnSpPr>
+        <p:spPr>
+          <a:xfrm flipV="1">
+            <a:off x="5911601" y="1467293"/>
+            <a:ext cx="0" cy="3220668"/>
+          </a:xfrm>
+          <a:prstGeom prst="line">
+            <a:avLst/>
+          </a:prstGeom>
+          <a:ln w="57150">
+            <a:solidFill>
+              <a:schemeClr val="bg2">
+                <a:lumMod val="10000"/>
+              </a:schemeClr>
+            </a:solidFill>
+          </a:ln>
+        </p:spPr>
+        <p:style>
+          <a:lnRef idx="1">
+            <a:schemeClr val="accent1"/>
+          </a:lnRef>
+          <a:fillRef idx="0">
+            <a:schemeClr val="accent1"/>
+          </a:fillRef>
+          <a:effectRef idx="0">
+            <a:schemeClr val="accent1"/>
+          </a:effectRef>
+          <a:fontRef idx="minor">
+            <a:schemeClr val="tx1"/>
+          </a:fontRef>
+        </p:style>
+      </p:cxnSp>
+      <p:sp>
+        <p:nvSpPr>
+          <p:cNvPr id="55" name="楕円 54">
+            <a:extLst>
+              <a:ext uri="{FF2B5EF4-FFF2-40B4-BE49-F238E27FC236}">
+                <a16:creationId xmlns:a16="http://schemas.microsoft.com/office/drawing/2014/main" id="{1AD8A6FB-2A55-4D18-8E44-C1F862CBF74E}"/>
+              </a:ext>
+            </a:extLst>
+          </p:cNvPr>
+          <p:cNvSpPr/>
+          <p:nvPr/>
+        </p:nvSpPr>
+        <p:spPr>
+          <a:xfrm flipV="1">
+            <a:off x="5864403" y="1404949"/>
+            <a:ext cx="176092" cy="182966"/>
+          </a:xfrm>
+          <a:prstGeom prst="ellipse">
+            <a:avLst/>
+          </a:prstGeom>
+          <a:solidFill>
+            <a:schemeClr val="tx1"/>
+          </a:solidFill>
+          <a:ln w="28575">
+            <a:noFill/>
+          </a:ln>
+        </p:spPr>
+        <p:style>
+          <a:lnRef idx="2">
+            <a:schemeClr val="accent1">
+              <a:shade val="50000"/>
+            </a:schemeClr>
+          </a:lnRef>
+          <a:fillRef idx="1">
+            <a:schemeClr val="accent1"/>
+          </a:fillRef>
+          <a:effectRef idx="0">
+            <a:schemeClr val="accent1"/>
+          </a:effectRef>
+          <a:fontRef idx="minor">
+            <a:schemeClr val="lt1"/>
+          </a:fontRef>
+        </p:style>
+        <p:txBody>
+          <a:bodyPr rtlCol="0" anchor="ctr"/>
+          <a:lstStyle/>
+          <a:p>
+            <a:pPr algn="ctr"/>
+            <a:endParaRPr kumimoji="1" lang="ja-JP" altLang="en-US"/>
+          </a:p>
+        </p:txBody>
+      </p:sp>
+      <p:sp>
+        <p:nvSpPr>
+          <p:cNvPr id="56" name="フリーフォーム: 図形 55">
+            <a:extLst>
+              <a:ext uri="{FF2B5EF4-FFF2-40B4-BE49-F238E27FC236}">
+                <a16:creationId xmlns:a16="http://schemas.microsoft.com/office/drawing/2014/main" id="{726FD642-8517-4CE6-8059-C0700F9BE0BC}"/>
+              </a:ext>
+            </a:extLst>
+          </p:cNvPr>
+          <p:cNvSpPr/>
+          <p:nvPr/>
+        </p:nvSpPr>
+        <p:spPr>
+          <a:xfrm rot="9198865">
+            <a:off x="5669525" y="4779005"/>
+            <a:ext cx="350670" cy="665818"/>
+          </a:xfrm>
+          <a:custGeom>
+            <a:avLst/>
+            <a:gdLst>
+              <a:gd name="connsiteX0" fmla="*/ 545123 w 590895"/>
+              <a:gd name="connsiteY0" fmla="*/ 0 h 1213339"/>
+              <a:gd name="connsiteX1" fmla="*/ 536331 w 590895"/>
+              <a:gd name="connsiteY1" fmla="*/ 870439 h 1213339"/>
+              <a:gd name="connsiteX2" fmla="*/ 0 w 590895"/>
+              <a:gd name="connsiteY2" fmla="*/ 1213339 h 1213339"/>
+            </a:gdLst>
+            <a:ahLst/>
+            <a:cxnLst>
+              <a:cxn ang="0">
+                <a:pos x="connsiteX0" y="connsiteY0"/>
+              </a:cxn>
+              <a:cxn ang="0">
+                <a:pos x="connsiteX1" y="connsiteY1"/>
+              </a:cxn>
+              <a:cxn ang="0">
+                <a:pos x="connsiteX2" y="connsiteY2"/>
+              </a:cxn>
+            </a:cxnLst>
+            <a:rect l="l" t="t" r="r" b="b"/>
+            <a:pathLst>
+              <a:path w="590895" h="1213339">
+                <a:moveTo>
+                  <a:pt x="545123" y="0"/>
+                </a:moveTo>
+                <a:cubicBezTo>
+                  <a:pt x="586154" y="334108"/>
+                  <a:pt x="627185" y="668216"/>
+                  <a:pt x="536331" y="870439"/>
+                </a:cubicBezTo>
+                <a:cubicBezTo>
+                  <a:pt x="445477" y="1072662"/>
+                  <a:pt x="99646" y="1160585"/>
+                  <a:pt x="0" y="1213339"/>
+                </a:cubicBezTo>
+              </a:path>
+            </a:pathLst>
+          </a:custGeom>
+          <a:noFill/>
+          <a:ln w="38100">
+            <a:solidFill>
+              <a:schemeClr val="tx1"/>
+            </a:solidFill>
+          </a:ln>
+        </p:spPr>
+        <p:style>
+          <a:lnRef idx="2">
+            <a:schemeClr val="accent1">
+              <a:shade val="50000"/>
+            </a:schemeClr>
+          </a:lnRef>
+          <a:fillRef idx="1">
+            <a:schemeClr val="accent1"/>
+          </a:fillRef>
+          <a:effectRef idx="0">
+            <a:schemeClr val="accent1"/>
+          </a:effectRef>
+          <a:fontRef idx="minor">
+            <a:schemeClr val="lt1"/>
+          </a:fontRef>
+        </p:style>
+        <p:txBody>
+          <a:bodyPr rtlCol="0" anchor="ctr"/>
+          <a:lstStyle/>
+          <a:p>
+            <a:pPr algn="ctr"/>
+            <a:endParaRPr kumimoji="1" lang="ja-JP" altLang="en-US"/>
+          </a:p>
+        </p:txBody>
+      </p:sp>
+      <p:sp>
+        <p:nvSpPr>
+          <p:cNvPr id="58" name="フリーフォーム: 図形 57">
+            <a:extLst>
+              <a:ext uri="{FF2B5EF4-FFF2-40B4-BE49-F238E27FC236}">
+                <a16:creationId xmlns:a16="http://schemas.microsoft.com/office/drawing/2014/main" id="{F324D589-4B62-4000-9789-988706F122BB}"/>
+              </a:ext>
+            </a:extLst>
+          </p:cNvPr>
+          <p:cNvSpPr/>
+          <p:nvPr/>
+        </p:nvSpPr>
+        <p:spPr>
+          <a:xfrm rot="9198865">
+            <a:off x="5611356" y="5622093"/>
+            <a:ext cx="435969" cy="597055"/>
+          </a:xfrm>
+          <a:custGeom>
+            <a:avLst/>
+            <a:gdLst>
+              <a:gd name="connsiteX0" fmla="*/ 545123 w 590895"/>
+              <a:gd name="connsiteY0" fmla="*/ 0 h 1213339"/>
+              <a:gd name="connsiteX1" fmla="*/ 536331 w 590895"/>
+              <a:gd name="connsiteY1" fmla="*/ 870439 h 1213339"/>
+              <a:gd name="connsiteX2" fmla="*/ 0 w 590895"/>
+              <a:gd name="connsiteY2" fmla="*/ 1213339 h 1213339"/>
+            </a:gdLst>
+            <a:ahLst/>
+            <a:cxnLst>
+              <a:cxn ang="0">
+                <a:pos x="connsiteX0" y="connsiteY0"/>
+              </a:cxn>
+              <a:cxn ang="0">
+                <a:pos x="connsiteX1" y="connsiteY1"/>
+              </a:cxn>
+              <a:cxn ang="0">
+                <a:pos x="connsiteX2" y="connsiteY2"/>
+              </a:cxn>
+            </a:cxnLst>
+            <a:rect l="l" t="t" r="r" b="b"/>
+            <a:pathLst>
+              <a:path w="590895" h="1213339">
+                <a:moveTo>
+                  <a:pt x="545123" y="0"/>
+                </a:moveTo>
+                <a:cubicBezTo>
+                  <a:pt x="586154" y="334108"/>
+                  <a:pt x="627185" y="668216"/>
+                  <a:pt x="536331" y="870439"/>
+                </a:cubicBezTo>
+                <a:cubicBezTo>
+                  <a:pt x="445477" y="1072662"/>
+                  <a:pt x="99646" y="1160585"/>
+                  <a:pt x="0" y="1213339"/>
+                </a:cubicBezTo>
+              </a:path>
+            </a:pathLst>
+          </a:custGeom>
+          <a:noFill/>
+          <a:ln w="38100">
+            <a:solidFill>
+              <a:schemeClr val="tx1"/>
+            </a:solidFill>
+          </a:ln>
+        </p:spPr>
+        <p:style>
+          <a:lnRef idx="2">
+            <a:schemeClr val="accent1">
+              <a:shade val="50000"/>
+            </a:schemeClr>
+          </a:lnRef>
+          <a:fillRef idx="1">
+            <a:schemeClr val="accent1"/>
+          </a:fillRef>
+          <a:effectRef idx="0">
+            <a:schemeClr val="accent1"/>
+          </a:effectRef>
+          <a:fontRef idx="minor">
+            <a:schemeClr val="lt1"/>
+          </a:fontRef>
+        </p:style>
+        <p:txBody>
+          <a:bodyPr rtlCol="0" anchor="ctr"/>
+          <a:lstStyle/>
+          <a:p>
+            <a:pPr algn="ctr"/>
+            <a:endParaRPr kumimoji="1" lang="ja-JP" altLang="en-US"/>
+          </a:p>
+        </p:txBody>
+      </p:sp>
+      <p:cxnSp>
+        <p:nvCxnSpPr>
+          <p:cNvPr id="57" name="直線コネクタ 56">
+            <a:extLst>
+              <a:ext uri="{FF2B5EF4-FFF2-40B4-BE49-F238E27FC236}">
+                <a16:creationId xmlns:a16="http://schemas.microsoft.com/office/drawing/2014/main" id="{709D6C1B-9884-4158-A9B8-FBFF26AD5CA3}"/>
+              </a:ext>
+            </a:extLst>
+          </p:cNvPr>
+          <p:cNvCxnSpPr>
+            <a:cxnSpLocks/>
+          </p:cNvCxnSpPr>
+          <p:nvPr/>
+        </p:nvCxnSpPr>
+        <p:spPr>
+          <a:xfrm>
+            <a:off x="4526857" y="1814226"/>
+            <a:ext cx="0" cy="1729839"/>
+          </a:xfrm>
+          <a:prstGeom prst="line">
+            <a:avLst/>
+          </a:prstGeom>
+          <a:ln w="57150">
+            <a:solidFill>
+              <a:schemeClr val="tx1">
+                <a:lumMod val="95000"/>
+                <a:lumOff val="5000"/>
+              </a:schemeClr>
+            </a:solidFill>
+          </a:ln>
+        </p:spPr>
+        <p:style>
+          <a:lnRef idx="1">
+            <a:schemeClr val="accent1"/>
+          </a:lnRef>
+          <a:fillRef idx="0">
+            <a:schemeClr val="accent1"/>
+          </a:fillRef>
+          <a:effectRef idx="0">
+            <a:schemeClr val="accent1"/>
+          </a:effectRef>
+          <a:fontRef idx="minor">
+            <a:schemeClr val="tx1"/>
+          </a:fontRef>
+        </p:style>
+      </p:cxnSp>
+      <p:cxnSp>
+        <p:nvCxnSpPr>
+          <p:cNvPr id="62" name="直線コネクタ 61">
+            <a:extLst>
+              <a:ext uri="{FF2B5EF4-FFF2-40B4-BE49-F238E27FC236}">
+                <a16:creationId xmlns:a16="http://schemas.microsoft.com/office/drawing/2014/main" id="{1FF53C75-D0A6-4C18-AD45-49026E902F25}"/>
+              </a:ext>
+            </a:extLst>
+          </p:cNvPr>
+          <p:cNvCxnSpPr>
+            <a:cxnSpLocks/>
+          </p:cNvCxnSpPr>
+          <p:nvPr/>
+        </p:nvCxnSpPr>
+        <p:spPr>
+          <a:xfrm flipH="1">
+            <a:off x="4526857" y="1814226"/>
+            <a:ext cx="2486685" cy="10585"/>
+          </a:xfrm>
+          <a:prstGeom prst="line">
+            <a:avLst/>
+          </a:prstGeom>
+          <a:ln w="57150">
+            <a:solidFill>
+              <a:schemeClr val="tx1">
+                <a:lumMod val="95000"/>
+                <a:lumOff val="5000"/>
+              </a:schemeClr>
+            </a:solidFill>
+          </a:ln>
+        </p:spPr>
+        <p:style>
+          <a:lnRef idx="1">
+            <a:schemeClr val="accent1"/>
+          </a:lnRef>
+          <a:fillRef idx="0">
+            <a:schemeClr val="accent1"/>
+          </a:fillRef>
+          <a:effectRef idx="0">
+            <a:schemeClr val="accent1"/>
+          </a:effectRef>
+          <a:fontRef idx="minor">
+            <a:schemeClr val="tx1"/>
+          </a:fontRef>
+        </p:style>
+      </p:cxnSp>
+      <p:cxnSp>
+        <p:nvCxnSpPr>
+          <p:cNvPr id="63" name="直線コネクタ 62">
+            <a:extLst>
+              <a:ext uri="{FF2B5EF4-FFF2-40B4-BE49-F238E27FC236}">
+                <a16:creationId xmlns:a16="http://schemas.microsoft.com/office/drawing/2014/main" id="{838383CC-A417-4605-BA51-D1593E07E44B}"/>
+              </a:ext>
+            </a:extLst>
+          </p:cNvPr>
+          <p:cNvCxnSpPr>
+            <a:cxnSpLocks/>
+          </p:cNvCxnSpPr>
+          <p:nvPr/>
+        </p:nvCxnSpPr>
+        <p:spPr>
+          <a:xfrm flipV="1">
+            <a:off x="7003361" y="1797395"/>
+            <a:ext cx="0" cy="3114208"/>
+          </a:xfrm>
+          <a:prstGeom prst="line">
+            <a:avLst/>
+          </a:prstGeom>
+          <a:ln w="57150">
+            <a:solidFill>
+              <a:schemeClr val="accent1">
+                <a:lumMod val="60000"/>
+                <a:lumOff val="40000"/>
+              </a:schemeClr>
+            </a:solidFill>
+          </a:ln>
+        </p:spPr>
+        <p:style>
+          <a:lnRef idx="1">
+            <a:schemeClr val="accent1"/>
+          </a:lnRef>
+          <a:fillRef idx="0">
+            <a:schemeClr val="accent1"/>
+          </a:fillRef>
+          <a:effectRef idx="0">
+            <a:schemeClr val="accent1"/>
+          </a:effectRef>
+          <a:fontRef idx="minor">
+            <a:schemeClr val="tx1"/>
+          </a:fontRef>
+        </p:style>
+      </p:cxnSp>
+      <p:cxnSp>
+        <p:nvCxnSpPr>
+          <p:cNvPr id="65" name="直線コネクタ 64">
+            <a:extLst>
+              <a:ext uri="{FF2B5EF4-FFF2-40B4-BE49-F238E27FC236}">
+                <a16:creationId xmlns:a16="http://schemas.microsoft.com/office/drawing/2014/main" id="{FFDA4A3E-1D27-4A14-9955-A3A6BCB488AF}"/>
+              </a:ext>
+            </a:extLst>
+          </p:cNvPr>
+          <p:cNvCxnSpPr>
+            <a:cxnSpLocks/>
+          </p:cNvCxnSpPr>
+          <p:nvPr/>
+        </p:nvCxnSpPr>
+        <p:spPr>
+          <a:xfrm flipV="1">
+            <a:off x="6534872" y="4911603"/>
+            <a:ext cx="478670" cy="540116"/>
+          </a:xfrm>
+          <a:prstGeom prst="line">
+            <a:avLst/>
+          </a:prstGeom>
+          <a:ln w="57150">
+            <a:solidFill>
+              <a:schemeClr val="accent1">
+                <a:lumMod val="60000"/>
+                <a:lumOff val="40000"/>
+              </a:schemeClr>
+            </a:solidFill>
+          </a:ln>
+        </p:spPr>
+        <p:style>
+          <a:lnRef idx="1">
+            <a:schemeClr val="accent1"/>
+          </a:lnRef>
+          <a:fillRef idx="0">
+            <a:schemeClr val="accent1"/>
+          </a:fillRef>
+          <a:effectRef idx="0">
+            <a:schemeClr val="accent1"/>
+          </a:effectRef>
+          <a:fontRef idx="minor">
+            <a:schemeClr val="tx1"/>
+          </a:fontRef>
+        </p:style>
+      </p:cxnSp>
+      <p:cxnSp>
+        <p:nvCxnSpPr>
+          <p:cNvPr id="67" name="直線コネクタ 66">
+            <a:extLst>
+              <a:ext uri="{FF2B5EF4-FFF2-40B4-BE49-F238E27FC236}">
+                <a16:creationId xmlns:a16="http://schemas.microsoft.com/office/drawing/2014/main" id="{AD850379-F5D7-41BD-843E-8F69BEE1E397}"/>
+              </a:ext>
+            </a:extLst>
+          </p:cNvPr>
+          <p:cNvCxnSpPr>
+            <a:cxnSpLocks/>
+          </p:cNvCxnSpPr>
+          <p:nvPr/>
+        </p:nvCxnSpPr>
+        <p:spPr>
+          <a:xfrm flipH="1" flipV="1">
+            <a:off x="6487559" y="1467293"/>
+            <a:ext cx="54694" cy="3209871"/>
+          </a:xfrm>
+          <a:prstGeom prst="line">
+            <a:avLst/>
+          </a:prstGeom>
+          <a:ln w="57150">
+            <a:solidFill>
+              <a:schemeClr val="tx1">
+                <a:lumMod val="95000"/>
+                <a:lumOff val="5000"/>
+              </a:schemeClr>
+            </a:solidFill>
+          </a:ln>
+        </p:spPr>
+        <p:style>
+          <a:lnRef idx="1">
+            <a:schemeClr val="accent1"/>
+          </a:lnRef>
+          <a:fillRef idx="0">
+            <a:schemeClr val="accent1"/>
+          </a:fillRef>
+          <a:effectRef idx="0">
+            <a:schemeClr val="accent1"/>
+          </a:effectRef>
+          <a:fontRef idx="minor">
+            <a:schemeClr val="tx1"/>
+          </a:fontRef>
+        </p:style>
+      </p:cxnSp>
+      <p:cxnSp>
+        <p:nvCxnSpPr>
+          <p:cNvPr id="68" name="直線コネクタ 67">
+            <a:extLst>
+              <a:ext uri="{FF2B5EF4-FFF2-40B4-BE49-F238E27FC236}">
+                <a16:creationId xmlns:a16="http://schemas.microsoft.com/office/drawing/2014/main" id="{39032892-A7B6-4A18-A6E2-1CEAB935731F}"/>
+              </a:ext>
+            </a:extLst>
+          </p:cNvPr>
+          <p:cNvCxnSpPr>
+            <a:cxnSpLocks/>
+          </p:cNvCxnSpPr>
+          <p:nvPr/>
+        </p:nvCxnSpPr>
+        <p:spPr>
+          <a:xfrm flipH="1">
+            <a:off x="6489271" y="1374305"/>
+            <a:ext cx="4040469" cy="102813"/>
+          </a:xfrm>
+          <a:prstGeom prst="line">
+            <a:avLst/>
+          </a:prstGeom>
+          <a:ln w="57150">
+            <a:solidFill>
+              <a:schemeClr val="tx1"/>
+            </a:solidFill>
+          </a:ln>
+        </p:spPr>
+        <p:style>
+          <a:lnRef idx="1">
+            <a:schemeClr val="accent1"/>
+          </a:lnRef>
+          <a:fillRef idx="0">
+            <a:schemeClr val="accent1"/>
+          </a:fillRef>
+          <a:effectRef idx="0">
+            <a:schemeClr val="accent1"/>
+          </a:effectRef>
+          <a:fontRef idx="minor">
+            <a:schemeClr val="tx1"/>
+          </a:fontRef>
+        </p:style>
+      </p:cxnSp>
+      <p:sp>
+        <p:nvSpPr>
+          <p:cNvPr id="69" name="楕円 68">
+            <a:extLst>
+              <a:ext uri="{FF2B5EF4-FFF2-40B4-BE49-F238E27FC236}">
+                <a16:creationId xmlns:a16="http://schemas.microsoft.com/office/drawing/2014/main" id="{E9C086BC-0C7A-40EF-BF01-B3FE4CA2D013}"/>
+              </a:ext>
+            </a:extLst>
+          </p:cNvPr>
+          <p:cNvSpPr/>
+          <p:nvPr/>
+        </p:nvSpPr>
+        <p:spPr>
+          <a:xfrm flipV="1">
+            <a:off x="6399513" y="1404949"/>
+            <a:ext cx="176092" cy="182966"/>
+          </a:xfrm>
+          <a:prstGeom prst="ellipse">
+            <a:avLst/>
+          </a:prstGeom>
+          <a:solidFill>
+            <a:schemeClr val="tx1"/>
+          </a:solidFill>
+          <a:ln w="28575">
+            <a:noFill/>
+          </a:ln>
+        </p:spPr>
+        <p:style>
+          <a:lnRef idx="2">
+            <a:schemeClr val="accent1">
+              <a:shade val="50000"/>
+            </a:schemeClr>
+          </a:lnRef>
+          <a:fillRef idx="1">
+            <a:schemeClr val="accent1"/>
+          </a:fillRef>
+          <a:effectRef idx="0">
+            <a:schemeClr val="accent1"/>
+          </a:effectRef>
+          <a:fontRef idx="minor">
+            <a:schemeClr val="lt1"/>
+          </a:fontRef>
+        </p:style>
+        <p:txBody>
+          <a:bodyPr rtlCol="0" anchor="ctr"/>
+          <a:lstStyle/>
+          <a:p>
+            <a:pPr algn="ctr"/>
+            <a:endParaRPr kumimoji="1" lang="ja-JP" altLang="en-US"/>
+          </a:p>
+        </p:txBody>
+      </p:sp>
+      <p:sp>
+        <p:nvSpPr>
+          <p:cNvPr id="70" name="楕円 69">
+            <a:extLst>
+              <a:ext uri="{FF2B5EF4-FFF2-40B4-BE49-F238E27FC236}">
+                <a16:creationId xmlns:a16="http://schemas.microsoft.com/office/drawing/2014/main" id="{6F44B3F9-CBFE-4E1C-866E-C3226A6B3D59}"/>
+              </a:ext>
+            </a:extLst>
+          </p:cNvPr>
+          <p:cNvSpPr/>
+          <p:nvPr/>
+        </p:nvSpPr>
+        <p:spPr>
+          <a:xfrm flipV="1">
+            <a:off x="6915315" y="1735177"/>
+            <a:ext cx="176092" cy="182966"/>
+          </a:xfrm>
+          <a:prstGeom prst="ellipse">
+            <a:avLst/>
+          </a:prstGeom>
+          <a:solidFill>
+            <a:schemeClr val="tx1"/>
+          </a:solidFill>
+          <a:ln w="28575">
+            <a:noFill/>
+          </a:ln>
+        </p:spPr>
+        <p:style>
+          <a:lnRef idx="2">
+            <a:schemeClr val="accent1">
+              <a:shade val="50000"/>
+            </a:schemeClr>
+          </a:lnRef>
+          <a:fillRef idx="1">
+            <a:schemeClr val="accent1"/>
+          </a:fillRef>
+          <a:effectRef idx="0">
+            <a:schemeClr val="accent1"/>
+          </a:effectRef>
+          <a:fontRef idx="minor">
+            <a:schemeClr val="lt1"/>
+          </a:fontRef>
+        </p:style>
+        <p:txBody>
+          <a:bodyPr rtlCol="0" anchor="ctr"/>
+          <a:lstStyle/>
+          <a:p>
+            <a:pPr algn="ctr"/>
+            <a:endParaRPr kumimoji="1" lang="ja-JP" altLang="en-US"/>
+          </a:p>
+        </p:txBody>
+      </p:sp>
+      <p:cxnSp>
+        <p:nvCxnSpPr>
+          <p:cNvPr id="71" name="直線コネクタ 70">
+            <a:extLst>
+              <a:ext uri="{FF2B5EF4-FFF2-40B4-BE49-F238E27FC236}">
+                <a16:creationId xmlns:a16="http://schemas.microsoft.com/office/drawing/2014/main" id="{6588D185-8FE3-4118-88CA-B78F1E8F283C}"/>
+              </a:ext>
+            </a:extLst>
+          </p:cNvPr>
+          <p:cNvCxnSpPr>
+            <a:cxnSpLocks/>
+          </p:cNvCxnSpPr>
+          <p:nvPr/>
+        </p:nvCxnSpPr>
+        <p:spPr>
+          <a:xfrm flipH="1">
+            <a:off x="1074655" y="2065736"/>
+            <a:ext cx="1577936" cy="0"/>
+          </a:xfrm>
+          <a:prstGeom prst="line">
+            <a:avLst/>
+          </a:prstGeom>
+          <a:ln w="57150">
+            <a:solidFill>
+              <a:schemeClr val="bg2">
+                <a:lumMod val="10000"/>
+              </a:schemeClr>
+            </a:solidFill>
+          </a:ln>
+        </p:spPr>
+        <p:style>
+          <a:lnRef idx="1">
+            <a:schemeClr val="accent1"/>
+          </a:lnRef>
+          <a:fillRef idx="0">
+            <a:schemeClr val="accent1"/>
+          </a:fillRef>
+          <a:effectRef idx="0">
+            <a:schemeClr val="accent1"/>
+          </a:effectRef>
+          <a:fontRef idx="minor">
+            <a:schemeClr val="tx1"/>
+          </a:fontRef>
+        </p:style>
+      </p:cxnSp>
+      <p:cxnSp>
+        <p:nvCxnSpPr>
+          <p:cNvPr id="72" name="直線コネクタ 71">
+            <a:extLst>
+              <a:ext uri="{FF2B5EF4-FFF2-40B4-BE49-F238E27FC236}">
+                <a16:creationId xmlns:a16="http://schemas.microsoft.com/office/drawing/2014/main" id="{F7524F92-FC1D-4380-9F93-65B6984F08F4}"/>
+              </a:ext>
+            </a:extLst>
+          </p:cNvPr>
+          <p:cNvCxnSpPr>
+            <a:cxnSpLocks/>
+            <a:stCxn id="18" idx="7"/>
+          </p:cNvCxnSpPr>
+          <p:nvPr/>
+        </p:nvCxnSpPr>
+        <p:spPr>
+          <a:xfrm flipH="1" flipV="1">
+            <a:off x="2652591" y="2076777"/>
+            <a:ext cx="15859" cy="2667787"/>
+          </a:xfrm>
+          <a:prstGeom prst="line">
+            <a:avLst/>
+          </a:prstGeom>
+          <a:ln w="57150">
+            <a:solidFill>
+              <a:schemeClr val="bg2">
+                <a:lumMod val="10000"/>
+              </a:schemeClr>
+            </a:solidFill>
+          </a:ln>
+        </p:spPr>
+        <p:style>
+          <a:lnRef idx="1">
+            <a:schemeClr val="accent1"/>
+          </a:lnRef>
+          <a:fillRef idx="0">
+            <a:schemeClr val="accent1"/>
+          </a:fillRef>
+          <a:effectRef idx="0">
+            <a:schemeClr val="accent1"/>
+          </a:effectRef>
+          <a:fontRef idx="minor">
+            <a:schemeClr val="tx1"/>
+          </a:fontRef>
+        </p:style>
+      </p:cxnSp>
+      <p:cxnSp>
+        <p:nvCxnSpPr>
+          <p:cNvPr id="73" name="直線コネクタ 72">
+            <a:extLst>
+              <a:ext uri="{FF2B5EF4-FFF2-40B4-BE49-F238E27FC236}">
+                <a16:creationId xmlns:a16="http://schemas.microsoft.com/office/drawing/2014/main" id="{40F1EFFD-0C87-4B14-9FE5-003A44B19C4B}"/>
+              </a:ext>
+            </a:extLst>
+          </p:cNvPr>
+          <p:cNvCxnSpPr>
+            <a:cxnSpLocks/>
+          </p:cNvCxnSpPr>
+          <p:nvPr/>
+        </p:nvCxnSpPr>
+        <p:spPr>
+          <a:xfrm flipH="1">
+            <a:off x="1074655" y="2494495"/>
+            <a:ext cx="1287870" cy="38174"/>
+          </a:xfrm>
+          <a:prstGeom prst="line">
+            <a:avLst/>
+          </a:prstGeom>
+          <a:ln w="57150">
+            <a:solidFill>
+              <a:srgbClr val="FF0000"/>
+            </a:solidFill>
+          </a:ln>
+        </p:spPr>
+        <p:style>
+          <a:lnRef idx="1">
+            <a:schemeClr val="accent1"/>
+          </a:lnRef>
+          <a:fillRef idx="0">
+            <a:schemeClr val="accent1"/>
+          </a:fillRef>
+          <a:effectRef idx="0">
+            <a:schemeClr val="accent1"/>
+          </a:effectRef>
+          <a:fontRef idx="minor">
+            <a:schemeClr val="tx1"/>
+          </a:fontRef>
+        </p:style>
+      </p:cxnSp>
+      <p:cxnSp>
+        <p:nvCxnSpPr>
+          <p:cNvPr id="74" name="直線コネクタ 73">
+            <a:extLst>
+              <a:ext uri="{FF2B5EF4-FFF2-40B4-BE49-F238E27FC236}">
+                <a16:creationId xmlns:a16="http://schemas.microsoft.com/office/drawing/2014/main" id="{162E7D11-02A2-42DC-98CB-0004BB3841A4}"/>
+              </a:ext>
+            </a:extLst>
+          </p:cNvPr>
+          <p:cNvCxnSpPr>
+            <a:cxnSpLocks/>
+            <a:stCxn id="18" idx="0"/>
+          </p:cNvCxnSpPr>
+          <p:nvPr/>
+        </p:nvCxnSpPr>
+        <p:spPr>
+          <a:xfrm flipH="1" flipV="1">
+            <a:off x="2362525" y="2514597"/>
+            <a:ext cx="27750" cy="2122098"/>
+          </a:xfrm>
+          <a:prstGeom prst="line">
+            <a:avLst/>
+          </a:prstGeom>
+          <a:ln w="57150">
+            <a:solidFill>
+              <a:srgbClr val="FF0000"/>
+            </a:solidFill>
+          </a:ln>
+        </p:spPr>
+        <p:style>
+          <a:lnRef idx="1">
+            <a:schemeClr val="accent1"/>
+          </a:lnRef>
+          <a:fillRef idx="0">
+            <a:schemeClr val="accent1"/>
+          </a:fillRef>
+          <a:effectRef idx="0">
+            <a:schemeClr val="accent1"/>
+          </a:effectRef>
+          <a:fontRef idx="minor">
+            <a:schemeClr val="tx1"/>
+          </a:fontRef>
+        </p:style>
+      </p:cxnSp>
+      <p:cxnSp>
+        <p:nvCxnSpPr>
+          <p:cNvPr id="75" name="直線コネクタ 74">
+            <a:extLst>
+              <a:ext uri="{FF2B5EF4-FFF2-40B4-BE49-F238E27FC236}">
+                <a16:creationId xmlns:a16="http://schemas.microsoft.com/office/drawing/2014/main" id="{B16EBF55-61EE-46F1-BB7B-813A18CA9976}"/>
+              </a:ext>
+            </a:extLst>
+          </p:cNvPr>
+          <p:cNvCxnSpPr>
+            <a:cxnSpLocks/>
+          </p:cNvCxnSpPr>
+          <p:nvPr/>
+        </p:nvCxnSpPr>
+        <p:spPr>
+          <a:xfrm flipH="1">
+            <a:off x="1030494" y="2960000"/>
+            <a:ext cx="1084472" cy="26747"/>
+          </a:xfrm>
+          <a:prstGeom prst="line">
+            <a:avLst/>
+          </a:prstGeom>
+          <a:ln w="57150">
+            <a:solidFill>
+              <a:srgbClr val="00B050"/>
+            </a:solidFill>
+          </a:ln>
+        </p:spPr>
+        <p:style>
+          <a:lnRef idx="1">
+            <a:schemeClr val="accent1"/>
+          </a:lnRef>
+          <a:fillRef idx="0">
+            <a:schemeClr val="accent1"/>
+          </a:fillRef>
+          <a:effectRef idx="0">
+            <a:schemeClr val="accent1"/>
+          </a:effectRef>
+          <a:fontRef idx="minor">
+            <a:schemeClr val="tx1"/>
+          </a:fontRef>
+        </p:style>
+      </p:cxnSp>
+      <p:cxnSp>
+        <p:nvCxnSpPr>
+          <p:cNvPr id="76" name="直線コネクタ 75">
+            <a:extLst>
+              <a:ext uri="{FF2B5EF4-FFF2-40B4-BE49-F238E27FC236}">
+                <a16:creationId xmlns:a16="http://schemas.microsoft.com/office/drawing/2014/main" id="{9EC75C9F-725D-42F0-BE82-5ADC8CD6B79E}"/>
+              </a:ext>
+            </a:extLst>
+          </p:cNvPr>
+          <p:cNvCxnSpPr>
+            <a:cxnSpLocks/>
+            <a:stCxn id="18" idx="1"/>
+          </p:cNvCxnSpPr>
+          <p:nvPr/>
+        </p:nvCxnSpPr>
+        <p:spPr>
+          <a:xfrm flipH="1" flipV="1">
+            <a:off x="2095726" y="2972816"/>
+            <a:ext cx="16374" cy="1771748"/>
+          </a:xfrm>
+          <a:prstGeom prst="line">
+            <a:avLst/>
+          </a:prstGeom>
+          <a:ln w="57150">
+            <a:solidFill>
+              <a:srgbClr val="00B050"/>
+            </a:solidFill>
+          </a:ln>
+        </p:spPr>
+        <p:style>
+          <a:lnRef idx="1">
+            <a:schemeClr val="accent1"/>
+          </a:lnRef>
+          <a:fillRef idx="0">
+            <a:schemeClr val="accent1"/>
+          </a:fillRef>
+          <a:effectRef idx="0">
+            <a:schemeClr val="accent1"/>
+          </a:effectRef>
+          <a:fontRef idx="minor">
+            <a:schemeClr val="tx1"/>
+          </a:fontRef>
+        </p:style>
+      </p:cxnSp>
+      <p:sp>
+        <p:nvSpPr>
+          <p:cNvPr id="77" name="テキスト ボックス 76">
+            <a:extLst>
+              <a:ext uri="{FF2B5EF4-FFF2-40B4-BE49-F238E27FC236}">
+                <a16:creationId xmlns:a16="http://schemas.microsoft.com/office/drawing/2014/main" id="{0ECC25FB-EFFB-427B-836F-A5A53B3C73E1}"/>
+              </a:ext>
+            </a:extLst>
+          </p:cNvPr>
+          <p:cNvSpPr txBox="1"/>
+          <p:nvPr/>
+        </p:nvSpPr>
+        <p:spPr>
+          <a:xfrm>
+            <a:off x="2717868" y="5557467"/>
+            <a:ext cx="2339102" cy="830997"/>
+          </a:xfrm>
+          <a:prstGeom prst="rect">
+            <a:avLst/>
+          </a:prstGeom>
+          <a:noFill/>
+        </p:spPr>
+        <p:txBody>
+          <a:bodyPr wrap="none" rtlCol="0">
+            <a:spAutoFit/>
+          </a:bodyPr>
+          <a:lstStyle/>
+          <a:p>
+            <a:r>
+              <a:rPr kumimoji="1" lang="ja-JP" altLang="en-US" sz="2400" b="1" dirty="0">
+                <a:solidFill>
+                  <a:srgbClr val="FF0000"/>
+                </a:solidFill>
+                <a:latin typeface="Georgia" panose="02040502050405020303" pitchFamily="18" charset="0"/>
+              </a:rPr>
+              <a:t>受金ねじ部端子</a:t>
+            </a:r>
+            <a:endParaRPr kumimoji="1" lang="en-US" altLang="ja-JP" sz="2400" b="1" dirty="0">
+              <a:solidFill>
+                <a:srgbClr val="FF0000"/>
+              </a:solidFill>
+              <a:latin typeface="Georgia" panose="02040502050405020303" pitchFamily="18" charset="0"/>
+            </a:endParaRPr>
+          </a:p>
+          <a:p>
+            <a:r>
+              <a:rPr kumimoji="1" lang="ja-JP" altLang="en-US" sz="2400" b="1" dirty="0">
+                <a:solidFill>
+                  <a:srgbClr val="FF0000"/>
+                </a:solidFill>
+                <a:latin typeface="Georgia" panose="02040502050405020303" pitchFamily="18" charset="0"/>
+              </a:rPr>
+              <a:t>が白線</a:t>
+            </a:r>
+          </a:p>
+        </p:txBody>
+      </p:sp>
+      <p:cxnSp>
+        <p:nvCxnSpPr>
+          <p:cNvPr id="78" name="直線矢印コネクタ 77">
+            <a:extLst>
+              <a:ext uri="{FF2B5EF4-FFF2-40B4-BE49-F238E27FC236}">
+                <a16:creationId xmlns:a16="http://schemas.microsoft.com/office/drawing/2014/main" id="{7DD12920-28D3-467F-B452-CEEB192634A6}"/>
+              </a:ext>
+            </a:extLst>
+          </p:cNvPr>
+          <p:cNvCxnSpPr>
+            <a:cxnSpLocks/>
+          </p:cNvCxnSpPr>
+          <p:nvPr/>
+        </p:nvCxnSpPr>
+        <p:spPr>
+          <a:xfrm flipV="1">
+            <a:off x="4053193" y="4353339"/>
+            <a:ext cx="27453" cy="1111066"/>
+          </a:xfrm>
+          <a:prstGeom prst="straightConnector1">
+            <a:avLst/>
+          </a:prstGeom>
+          <a:ln w="38100">
+            <a:solidFill>
+              <a:srgbClr val="FF0000"/>
+            </a:solidFill>
+            <a:tailEnd type="triangle"/>
+          </a:ln>
+        </p:spPr>
+        <p:style>
+          <a:lnRef idx="3">
+            <a:schemeClr val="dk1"/>
+          </a:lnRef>
+          <a:fillRef idx="0">
+            <a:schemeClr val="dk1"/>
+          </a:fillRef>
+          <a:effectRef idx="2">
+            <a:schemeClr val="dk1"/>
+          </a:effectRef>
+          <a:fontRef idx="minor">
+            <a:schemeClr val="tx1"/>
+          </a:fontRef>
+        </p:style>
+      </p:cxnSp>
+      <p:cxnSp>
+        <p:nvCxnSpPr>
+          <p:cNvPr id="79" name="直線矢印コネクタ 78">
+            <a:extLst>
+              <a:ext uri="{FF2B5EF4-FFF2-40B4-BE49-F238E27FC236}">
+                <a16:creationId xmlns:a16="http://schemas.microsoft.com/office/drawing/2014/main" id="{598F74D2-E1DB-4D01-BF4A-C249B7240934}"/>
+              </a:ext>
+            </a:extLst>
+          </p:cNvPr>
+          <p:cNvCxnSpPr>
+            <a:cxnSpLocks/>
+          </p:cNvCxnSpPr>
+          <p:nvPr/>
+        </p:nvCxnSpPr>
+        <p:spPr>
+          <a:xfrm flipH="1">
+            <a:off x="6791801" y="6243422"/>
+            <a:ext cx="847874" cy="0"/>
+          </a:xfrm>
+          <a:prstGeom prst="straightConnector1">
+            <a:avLst/>
+          </a:prstGeom>
+          <a:ln w="38100">
+            <a:solidFill>
+              <a:srgbClr val="FF0000"/>
+            </a:solidFill>
+            <a:tailEnd type="triangle"/>
+          </a:ln>
+        </p:spPr>
+        <p:style>
+          <a:lnRef idx="3">
+            <a:schemeClr val="dk1"/>
+          </a:lnRef>
+          <a:fillRef idx="0">
+            <a:schemeClr val="dk1"/>
+          </a:fillRef>
+          <a:effectRef idx="2">
+            <a:schemeClr val="dk1"/>
+          </a:effectRef>
+          <a:fontRef idx="minor">
+            <a:schemeClr val="tx1"/>
+          </a:fontRef>
+        </p:style>
+      </p:cxnSp>
+      <p:sp>
+        <p:nvSpPr>
+          <p:cNvPr id="80" name="テキスト ボックス 79">
+            <a:extLst>
+              <a:ext uri="{FF2B5EF4-FFF2-40B4-BE49-F238E27FC236}">
+                <a16:creationId xmlns:a16="http://schemas.microsoft.com/office/drawing/2014/main" id="{D7639882-D558-41A0-9B50-4CD24C3501F6}"/>
+              </a:ext>
+            </a:extLst>
+          </p:cNvPr>
+          <p:cNvSpPr txBox="1"/>
+          <p:nvPr/>
+        </p:nvSpPr>
+        <p:spPr>
+          <a:xfrm>
+            <a:off x="7708324" y="5829202"/>
+            <a:ext cx="1454244" cy="830997"/>
+          </a:xfrm>
+          <a:prstGeom prst="rect">
+            <a:avLst/>
+          </a:prstGeom>
+          <a:noFill/>
+        </p:spPr>
+        <p:txBody>
+          <a:bodyPr wrap="none" rtlCol="0">
+            <a:spAutoFit/>
+          </a:bodyPr>
+          <a:lstStyle/>
+          <a:p>
+            <a:r>
+              <a:rPr kumimoji="1" lang="en-US" altLang="ja-JP" sz="2400" b="1" dirty="0">
+                <a:solidFill>
+                  <a:srgbClr val="FF0000"/>
+                </a:solidFill>
+                <a:latin typeface="Georgia" panose="02040502050405020303" pitchFamily="18" charset="0"/>
+              </a:rPr>
+              <a:t>W</a:t>
+            </a:r>
+            <a:r>
+              <a:rPr kumimoji="1" lang="ja-JP" altLang="en-US" sz="2400" b="1" dirty="0">
+                <a:solidFill>
+                  <a:srgbClr val="FF0000"/>
+                </a:solidFill>
+                <a:latin typeface="Georgia" panose="02040502050405020303" pitchFamily="18" charset="0"/>
+              </a:rPr>
+              <a:t>側端子</a:t>
+            </a:r>
+            <a:endParaRPr kumimoji="1" lang="en-US" altLang="ja-JP" sz="2400" b="1" dirty="0">
+              <a:solidFill>
+                <a:srgbClr val="FF0000"/>
+              </a:solidFill>
+              <a:latin typeface="Georgia" panose="02040502050405020303" pitchFamily="18" charset="0"/>
+            </a:endParaRPr>
+          </a:p>
+          <a:p>
+            <a:r>
+              <a:rPr kumimoji="1" lang="ja-JP" altLang="en-US" sz="2400" b="1" dirty="0">
+                <a:solidFill>
+                  <a:srgbClr val="FF0000"/>
+                </a:solidFill>
+                <a:latin typeface="Georgia" panose="02040502050405020303" pitchFamily="18" charset="0"/>
+              </a:rPr>
+              <a:t>が白線</a:t>
+            </a:r>
+          </a:p>
+        </p:txBody>
+      </p:sp>
+      <p:sp>
+        <p:nvSpPr>
+          <p:cNvPr id="81" name="テキスト ボックス 80">
+            <a:extLst>
+              <a:ext uri="{FF2B5EF4-FFF2-40B4-BE49-F238E27FC236}">
+                <a16:creationId xmlns:a16="http://schemas.microsoft.com/office/drawing/2014/main" id="{BE6FCB29-7AD8-4293-B800-F57BEEBC2332}"/>
+              </a:ext>
+            </a:extLst>
+          </p:cNvPr>
+          <p:cNvSpPr txBox="1"/>
+          <p:nvPr/>
+        </p:nvSpPr>
+        <p:spPr>
+          <a:xfrm>
+            <a:off x="4689908" y="51847"/>
+            <a:ext cx="1415772" cy="461665"/>
+          </a:xfrm>
+          <a:prstGeom prst="rect">
+            <a:avLst/>
+          </a:prstGeom>
+          <a:noFill/>
+        </p:spPr>
+        <p:txBody>
+          <a:bodyPr wrap="none" rtlCol="0">
+            <a:spAutoFit/>
+          </a:bodyPr>
+          <a:lstStyle/>
+          <a:p>
+            <a:r>
+              <a:rPr kumimoji="1" lang="ja-JP" altLang="en-US" sz="2400" b="1" dirty="0">
+                <a:solidFill>
+                  <a:srgbClr val="FF0000"/>
+                </a:solidFill>
+                <a:latin typeface="Georgia" panose="02040502050405020303" pitchFamily="18" charset="0"/>
+              </a:rPr>
+              <a:t>刻印：小</a:t>
+            </a:r>
+          </a:p>
+        </p:txBody>
+      </p:sp>
+      <p:cxnSp>
+        <p:nvCxnSpPr>
+          <p:cNvPr id="82" name="直線矢印コネクタ 81">
+            <a:extLst>
+              <a:ext uri="{FF2B5EF4-FFF2-40B4-BE49-F238E27FC236}">
+                <a16:creationId xmlns:a16="http://schemas.microsoft.com/office/drawing/2014/main" id="{854DE05A-E8FC-4926-8E21-C5DA39ECDD25}"/>
+              </a:ext>
+            </a:extLst>
+          </p:cNvPr>
+          <p:cNvCxnSpPr>
+            <a:cxnSpLocks/>
+          </p:cNvCxnSpPr>
+          <p:nvPr/>
+        </p:nvCxnSpPr>
+        <p:spPr>
+          <a:xfrm>
+            <a:off x="5691110" y="555508"/>
+            <a:ext cx="293475" cy="794965"/>
+          </a:xfrm>
+          <a:prstGeom prst="straightConnector1">
+            <a:avLst/>
+          </a:prstGeom>
+          <a:ln w="38100">
+            <a:solidFill>
+              <a:srgbClr val="FF0000"/>
+            </a:solidFill>
+            <a:tailEnd type="triangle"/>
+          </a:ln>
+        </p:spPr>
+        <p:style>
+          <a:lnRef idx="3">
+            <a:schemeClr val="dk1"/>
+          </a:lnRef>
+          <a:fillRef idx="0">
+            <a:schemeClr val="dk1"/>
+          </a:fillRef>
+          <a:effectRef idx="2">
+            <a:schemeClr val="dk1"/>
+          </a:effectRef>
+          <a:fontRef idx="minor">
+            <a:schemeClr val="tx1"/>
+          </a:fontRef>
+        </p:style>
+      </p:cxnSp>
+      <p:sp>
+        <p:nvSpPr>
+          <p:cNvPr id="83" name="テキスト ボックス 82">
+            <a:extLst>
+              <a:ext uri="{FF2B5EF4-FFF2-40B4-BE49-F238E27FC236}">
+                <a16:creationId xmlns:a16="http://schemas.microsoft.com/office/drawing/2014/main" id="{251357A7-1BB8-479E-8561-39BF0959BEEF}"/>
+              </a:ext>
+            </a:extLst>
+          </p:cNvPr>
+          <p:cNvSpPr txBox="1"/>
+          <p:nvPr/>
+        </p:nvSpPr>
+        <p:spPr>
+          <a:xfrm>
+            <a:off x="7368418" y="1573204"/>
+            <a:ext cx="1415772" cy="461665"/>
+          </a:xfrm>
+          <a:prstGeom prst="rect">
+            <a:avLst/>
+          </a:prstGeom>
+          <a:noFill/>
+        </p:spPr>
+        <p:txBody>
+          <a:bodyPr wrap="none" rtlCol="0">
+            <a:spAutoFit/>
+          </a:bodyPr>
+          <a:lstStyle/>
+          <a:p>
+            <a:r>
+              <a:rPr kumimoji="1" lang="ja-JP" altLang="en-US" sz="2400" b="1" dirty="0">
+                <a:solidFill>
+                  <a:srgbClr val="FF0000"/>
+                </a:solidFill>
+                <a:latin typeface="Georgia" panose="02040502050405020303" pitchFamily="18" charset="0"/>
+              </a:rPr>
+              <a:t>刻印：○</a:t>
+            </a:r>
+          </a:p>
+        </p:txBody>
+      </p:sp>
+      <p:cxnSp>
+        <p:nvCxnSpPr>
+          <p:cNvPr id="84" name="直線矢印コネクタ 83">
+            <a:extLst>
+              <a:ext uri="{FF2B5EF4-FFF2-40B4-BE49-F238E27FC236}">
+                <a16:creationId xmlns:a16="http://schemas.microsoft.com/office/drawing/2014/main" id="{20996A58-9FCA-45CC-9130-1AF286F02F44}"/>
+              </a:ext>
+            </a:extLst>
+          </p:cNvPr>
+          <p:cNvCxnSpPr>
+            <a:cxnSpLocks/>
+          </p:cNvCxnSpPr>
+          <p:nvPr/>
+        </p:nvCxnSpPr>
+        <p:spPr>
+          <a:xfrm flipH="1" flipV="1">
+            <a:off x="6595039" y="1566920"/>
+            <a:ext cx="660979" cy="101025"/>
+          </a:xfrm>
+          <a:prstGeom prst="straightConnector1">
+            <a:avLst/>
+          </a:prstGeom>
+          <a:ln w="38100">
+            <a:solidFill>
+              <a:srgbClr val="FF0000"/>
+            </a:solidFill>
+            <a:tailEnd type="triangle"/>
+          </a:ln>
+        </p:spPr>
+        <p:style>
+          <a:lnRef idx="3">
+            <a:schemeClr val="dk1"/>
+          </a:lnRef>
+          <a:fillRef idx="0">
+            <a:schemeClr val="dk1"/>
+          </a:fillRef>
+          <a:effectRef idx="2">
+            <a:schemeClr val="dk1"/>
+          </a:effectRef>
+          <a:fontRef idx="minor">
+            <a:schemeClr val="tx1"/>
+          </a:fontRef>
+        </p:style>
+      </p:cxnSp>
+      <p:cxnSp>
+        <p:nvCxnSpPr>
+          <p:cNvPr id="85" name="直線矢印コネクタ 84">
+            <a:extLst>
+              <a:ext uri="{FF2B5EF4-FFF2-40B4-BE49-F238E27FC236}">
+                <a16:creationId xmlns:a16="http://schemas.microsoft.com/office/drawing/2014/main" id="{F1B35229-EA50-4E88-AAAB-B4964CE525AE}"/>
+              </a:ext>
+            </a:extLst>
+          </p:cNvPr>
+          <p:cNvCxnSpPr>
+            <a:cxnSpLocks/>
+          </p:cNvCxnSpPr>
+          <p:nvPr/>
+        </p:nvCxnSpPr>
+        <p:spPr>
+          <a:xfrm flipH="1">
+            <a:off x="7075855" y="1927276"/>
+            <a:ext cx="318732" cy="55992"/>
+          </a:xfrm>
+          <a:prstGeom prst="straightConnector1">
+            <a:avLst/>
+          </a:prstGeom>
+          <a:ln w="38100">
+            <a:solidFill>
+              <a:srgbClr val="FF0000"/>
+            </a:solidFill>
+            <a:tailEnd type="triangle"/>
+          </a:ln>
+        </p:spPr>
+        <p:style>
+          <a:lnRef idx="3">
+            <a:schemeClr val="dk1"/>
+          </a:lnRef>
+          <a:fillRef idx="0">
+            <a:schemeClr val="dk1"/>
+          </a:fillRef>
+          <a:effectRef idx="2">
+            <a:schemeClr val="dk1"/>
+          </a:effectRef>
+          <a:fontRef idx="minor">
+            <a:schemeClr val="tx1"/>
+          </a:fontRef>
+        </p:style>
+      </p:cxnSp>
+      <p:sp>
+        <p:nvSpPr>
+          <p:cNvPr id="86" name="テキスト ボックス 85">
+            <a:extLst>
+              <a:ext uri="{FF2B5EF4-FFF2-40B4-BE49-F238E27FC236}">
+                <a16:creationId xmlns:a16="http://schemas.microsoft.com/office/drawing/2014/main" id="{084D5183-E992-4B88-8DDE-A6FD7451F881}"/>
+              </a:ext>
+            </a:extLst>
+          </p:cNvPr>
+          <p:cNvSpPr txBox="1"/>
+          <p:nvPr/>
+        </p:nvSpPr>
+        <p:spPr>
+          <a:xfrm>
+            <a:off x="7821128" y="147483"/>
+            <a:ext cx="2031325" cy="461665"/>
+          </a:xfrm>
+          <a:prstGeom prst="rect">
+            <a:avLst/>
+          </a:prstGeom>
+          <a:noFill/>
+        </p:spPr>
+        <p:txBody>
+          <a:bodyPr wrap="none" rtlCol="0">
+            <a:spAutoFit/>
+          </a:bodyPr>
+          <a:lstStyle/>
+          <a:p>
+            <a:r>
+              <a:rPr lang="ja-JP" altLang="en-US" sz="2400" b="1" dirty="0">
+                <a:solidFill>
+                  <a:srgbClr val="FF0000"/>
+                </a:solidFill>
+                <a:latin typeface="Georgia" panose="02040502050405020303" pitchFamily="18" charset="0"/>
+              </a:rPr>
+              <a:t>コネクタ</a:t>
+            </a:r>
+            <a:r>
+              <a:rPr kumimoji="1" lang="ja-JP" altLang="en-US" sz="2400" b="1" dirty="0">
+                <a:solidFill>
+                  <a:srgbClr val="FF0000"/>
+                </a:solidFill>
+                <a:latin typeface="Georgia" panose="02040502050405020303" pitchFamily="18" charset="0"/>
+              </a:rPr>
+              <a:t>：</a:t>
+            </a:r>
+            <a:r>
+              <a:rPr lang="ja-JP" altLang="en-US" sz="2400" b="1" dirty="0">
+                <a:solidFill>
+                  <a:srgbClr val="FF0000"/>
+                </a:solidFill>
+                <a:latin typeface="Georgia" panose="02040502050405020303" pitchFamily="18" charset="0"/>
+              </a:rPr>
+              <a:t>４</a:t>
+            </a:r>
+            <a:endParaRPr kumimoji="1" lang="ja-JP" altLang="en-US" sz="2400" b="1" dirty="0">
+              <a:solidFill>
+                <a:srgbClr val="FF0000"/>
+              </a:solidFill>
+              <a:latin typeface="Georgia" panose="02040502050405020303" pitchFamily="18" charset="0"/>
+            </a:endParaRPr>
+          </a:p>
+        </p:txBody>
+      </p:sp>
+      <p:cxnSp>
+        <p:nvCxnSpPr>
+          <p:cNvPr id="87" name="直線矢印コネクタ 86">
+            <a:extLst>
+              <a:ext uri="{FF2B5EF4-FFF2-40B4-BE49-F238E27FC236}">
+                <a16:creationId xmlns:a16="http://schemas.microsoft.com/office/drawing/2014/main" id="{E9810837-711A-42A8-A900-C3C2231C3C41}"/>
+              </a:ext>
+            </a:extLst>
+          </p:cNvPr>
+          <p:cNvCxnSpPr>
+            <a:cxnSpLocks/>
+          </p:cNvCxnSpPr>
+          <p:nvPr/>
+        </p:nvCxnSpPr>
+        <p:spPr>
+          <a:xfrm flipH="1">
+            <a:off x="7484764" y="513512"/>
+            <a:ext cx="518593" cy="225731"/>
+          </a:xfrm>
+          <a:prstGeom prst="straightConnector1">
+            <a:avLst/>
+          </a:prstGeom>
+          <a:ln w="38100">
+            <a:solidFill>
+              <a:srgbClr val="FF0000"/>
+            </a:solidFill>
+            <a:tailEnd type="triangle"/>
+          </a:ln>
+        </p:spPr>
+        <p:style>
+          <a:lnRef idx="3">
+            <a:schemeClr val="dk1"/>
+          </a:lnRef>
+          <a:fillRef idx="0">
+            <a:schemeClr val="dk1"/>
+          </a:fillRef>
+          <a:effectRef idx="2">
+            <a:schemeClr val="dk1"/>
+          </a:effectRef>
+          <a:fontRef idx="minor">
+            <a:schemeClr val="tx1"/>
+          </a:fontRef>
+        </p:style>
+      </p:cxnSp>
+      <p:sp>
+        <p:nvSpPr>
+          <p:cNvPr id="88" name="テキスト ボックス 68">
+            <a:extLst>
+              <a:ext uri="{FF2B5EF4-FFF2-40B4-BE49-F238E27FC236}">
+                <a16:creationId xmlns:a16="http://schemas.microsoft.com/office/drawing/2014/main" id="{11469EDF-CCC3-4B02-99F4-CA2DB36EB9DD}"/>
+              </a:ext>
+            </a:extLst>
+          </p:cNvPr>
+          <p:cNvSpPr txBox="1"/>
+          <p:nvPr/>
+        </p:nvSpPr>
+        <p:spPr>
+          <a:xfrm>
+            <a:off x="8767731" y="1610127"/>
+            <a:ext cx="1471878" cy="461665"/>
+          </a:xfrm>
+          <a:prstGeom prst="rect">
+            <a:avLst/>
+          </a:prstGeom>
+          <a:noFill/>
+        </p:spPr>
+        <p:txBody>
+          <a:bodyPr wrap="none" rtlCol="0">
+            <a:spAutoFit/>
+          </a:bodyPr>
+          <a:lstStyle>
+            <a:defPPr>
+              <a:defRPr lang="ja-JP"/>
+            </a:defPPr>
+            <a:lvl1pPr marL="0" algn="l" defTabSz="914400" rtl="0" eaLnBrk="1" latinLnBrk="0" hangingPunct="1">
+              <a:defRPr kumimoji="1" sz="1800" kern="1200">
+                <a:solidFill>
+                  <a:schemeClr val="tx1"/>
+                </a:solidFill>
+                <a:latin typeface="+mn-lt"/>
+                <a:ea typeface="+mn-ea"/>
+                <a:cs typeface="+mn-cs"/>
+              </a:defRPr>
+            </a:lvl1pPr>
+            <a:lvl2pPr marL="457200" algn="l" defTabSz="914400" rtl="0" eaLnBrk="1" latinLnBrk="0" hangingPunct="1">
+              <a:defRPr kumimoji="1" sz="1800" kern="1200">
+                <a:solidFill>
+                  <a:schemeClr val="tx1"/>
+                </a:solidFill>
+                <a:latin typeface="+mn-lt"/>
+                <a:ea typeface="+mn-ea"/>
+                <a:cs typeface="+mn-cs"/>
+              </a:defRPr>
+            </a:lvl2pPr>
+            <a:lvl3pPr marL="914400" algn="l" defTabSz="914400" rtl="0" eaLnBrk="1" latinLnBrk="0" hangingPunct="1">
+              <a:defRPr kumimoji="1" sz="1800" kern="1200">
+                <a:solidFill>
+                  <a:schemeClr val="tx1"/>
+                </a:solidFill>
+                <a:latin typeface="+mn-lt"/>
+                <a:ea typeface="+mn-ea"/>
+                <a:cs typeface="+mn-cs"/>
+              </a:defRPr>
+            </a:lvl3pPr>
+            <a:lvl4pPr marL="1371600" algn="l" defTabSz="914400" rtl="0" eaLnBrk="1" latinLnBrk="0" hangingPunct="1">
+              <a:defRPr kumimoji="1" sz="1800" kern="1200">
+                <a:solidFill>
+                  <a:schemeClr val="tx1"/>
+                </a:solidFill>
+                <a:latin typeface="+mn-lt"/>
+                <a:ea typeface="+mn-ea"/>
+                <a:cs typeface="+mn-cs"/>
+              </a:defRPr>
+            </a:lvl4pPr>
+            <a:lvl5pPr marL="1828800" algn="l" defTabSz="914400" rtl="0" eaLnBrk="1" latinLnBrk="0" hangingPunct="1">
+              <a:defRPr kumimoji="1" sz="1800" kern="1200">
+                <a:solidFill>
+                  <a:schemeClr val="tx1"/>
+                </a:solidFill>
+                <a:latin typeface="+mn-lt"/>
+                <a:ea typeface="+mn-ea"/>
+                <a:cs typeface="+mn-cs"/>
+              </a:defRPr>
+            </a:lvl5pPr>
+            <a:lvl6pPr marL="2286000" algn="l" defTabSz="914400" rtl="0" eaLnBrk="1" latinLnBrk="0" hangingPunct="1">
+              <a:defRPr kumimoji="1" sz="1800" kern="1200">
+                <a:solidFill>
+                  <a:schemeClr val="tx1"/>
+                </a:solidFill>
+                <a:latin typeface="+mn-lt"/>
+                <a:ea typeface="+mn-ea"/>
+                <a:cs typeface="+mn-cs"/>
+              </a:defRPr>
+            </a:lvl6pPr>
+            <a:lvl7pPr marL="2743200" algn="l" defTabSz="914400" rtl="0" eaLnBrk="1" latinLnBrk="0" hangingPunct="1">
+              <a:defRPr kumimoji="1" sz="1800" kern="1200">
+                <a:solidFill>
+                  <a:schemeClr val="tx1"/>
+                </a:solidFill>
+                <a:latin typeface="+mn-lt"/>
+                <a:ea typeface="+mn-ea"/>
+                <a:cs typeface="+mn-cs"/>
+              </a:defRPr>
+            </a:lvl7pPr>
+            <a:lvl8pPr marL="3200400" algn="l" defTabSz="914400" rtl="0" eaLnBrk="1" latinLnBrk="0" hangingPunct="1">
+              <a:defRPr kumimoji="1" sz="1800" kern="1200">
+                <a:solidFill>
+                  <a:schemeClr val="tx1"/>
+                </a:solidFill>
+                <a:latin typeface="+mn-lt"/>
+                <a:ea typeface="+mn-ea"/>
+                <a:cs typeface="+mn-cs"/>
+              </a:defRPr>
+            </a:lvl8pPr>
+            <a:lvl9pPr marL="3657600" algn="l" defTabSz="914400" rtl="0" eaLnBrk="1" latinLnBrk="0" hangingPunct="1">
+              <a:defRPr kumimoji="1" sz="1800" kern="1200">
+                <a:solidFill>
+                  <a:schemeClr val="tx1"/>
+                </a:solidFill>
+                <a:latin typeface="+mn-lt"/>
+                <a:ea typeface="+mn-ea"/>
+                <a:cs typeface="+mn-cs"/>
+              </a:defRPr>
+            </a:lvl9pPr>
+          </a:lstStyle>
+          <a:p>
+            <a:r>
+              <a:rPr lang="en-US" altLang="ja-JP" sz="2400" b="1" dirty="0">
+                <a:solidFill>
+                  <a:schemeClr val="accent6">
+                    <a:lumMod val="60000"/>
+                    <a:lumOff val="40000"/>
+                  </a:schemeClr>
+                </a:solidFill>
+                <a:latin typeface="+mn-ea"/>
+              </a:rPr>
+              <a:t>10</a:t>
+            </a:r>
+            <a:r>
+              <a:rPr kumimoji="1" lang="en-US" altLang="ja-JP" sz="2400" b="1" dirty="0">
+                <a:solidFill>
+                  <a:schemeClr val="accent6">
+                    <a:lumMod val="60000"/>
+                    <a:lumOff val="40000"/>
+                  </a:schemeClr>
+                </a:solidFill>
+                <a:latin typeface="+mn-ea"/>
+              </a:rPr>
+              <a:t>0+150</a:t>
+            </a:r>
+            <a:endParaRPr kumimoji="1" lang="ja-JP" altLang="en-US" sz="2400" b="1" dirty="0">
+              <a:solidFill>
+                <a:schemeClr val="accent6">
+                  <a:lumMod val="60000"/>
+                  <a:lumOff val="40000"/>
+                </a:schemeClr>
+              </a:solidFill>
+              <a:latin typeface="+mn-ea"/>
+            </a:endParaRPr>
+          </a:p>
+        </p:txBody>
+      </p:sp>
+      <p:sp>
+        <p:nvSpPr>
+          <p:cNvPr id="89" name="テキスト ボックス 68">
+            <a:extLst>
+              <a:ext uri="{FF2B5EF4-FFF2-40B4-BE49-F238E27FC236}">
+                <a16:creationId xmlns:a16="http://schemas.microsoft.com/office/drawing/2014/main" id="{8A8A1B27-F956-4660-A998-4FC0F771296D}"/>
+              </a:ext>
+            </a:extLst>
+          </p:cNvPr>
+          <p:cNvSpPr txBox="1"/>
+          <p:nvPr/>
+        </p:nvSpPr>
+        <p:spPr>
+          <a:xfrm>
+            <a:off x="1673908" y="530126"/>
+            <a:ext cx="2053767" cy="830997"/>
+          </a:xfrm>
+          <a:prstGeom prst="rect">
+            <a:avLst/>
+          </a:prstGeom>
+          <a:noFill/>
+        </p:spPr>
+        <p:txBody>
+          <a:bodyPr wrap="none" rtlCol="0">
+            <a:spAutoFit/>
+          </a:bodyPr>
+          <a:lstStyle>
+            <a:defPPr>
+              <a:defRPr lang="ja-JP"/>
+            </a:defPPr>
+            <a:lvl1pPr marL="0" algn="l" defTabSz="914400" rtl="0" eaLnBrk="1" latinLnBrk="0" hangingPunct="1">
+              <a:defRPr kumimoji="1" sz="1800" kern="1200">
+                <a:solidFill>
+                  <a:schemeClr val="tx1"/>
+                </a:solidFill>
+                <a:latin typeface="+mn-lt"/>
+                <a:ea typeface="+mn-ea"/>
+                <a:cs typeface="+mn-cs"/>
+              </a:defRPr>
+            </a:lvl1pPr>
+            <a:lvl2pPr marL="457200" algn="l" defTabSz="914400" rtl="0" eaLnBrk="1" latinLnBrk="0" hangingPunct="1">
+              <a:defRPr kumimoji="1" sz="1800" kern="1200">
+                <a:solidFill>
+                  <a:schemeClr val="tx1"/>
+                </a:solidFill>
+                <a:latin typeface="+mn-lt"/>
+                <a:ea typeface="+mn-ea"/>
+                <a:cs typeface="+mn-cs"/>
+              </a:defRPr>
+            </a:lvl2pPr>
+            <a:lvl3pPr marL="914400" algn="l" defTabSz="914400" rtl="0" eaLnBrk="1" latinLnBrk="0" hangingPunct="1">
+              <a:defRPr kumimoji="1" sz="1800" kern="1200">
+                <a:solidFill>
+                  <a:schemeClr val="tx1"/>
+                </a:solidFill>
+                <a:latin typeface="+mn-lt"/>
+                <a:ea typeface="+mn-ea"/>
+                <a:cs typeface="+mn-cs"/>
+              </a:defRPr>
+            </a:lvl3pPr>
+            <a:lvl4pPr marL="1371600" algn="l" defTabSz="914400" rtl="0" eaLnBrk="1" latinLnBrk="0" hangingPunct="1">
+              <a:defRPr kumimoji="1" sz="1800" kern="1200">
+                <a:solidFill>
+                  <a:schemeClr val="tx1"/>
+                </a:solidFill>
+                <a:latin typeface="+mn-lt"/>
+                <a:ea typeface="+mn-ea"/>
+                <a:cs typeface="+mn-cs"/>
+              </a:defRPr>
+            </a:lvl4pPr>
+            <a:lvl5pPr marL="1828800" algn="l" defTabSz="914400" rtl="0" eaLnBrk="1" latinLnBrk="0" hangingPunct="1">
+              <a:defRPr kumimoji="1" sz="1800" kern="1200">
+                <a:solidFill>
+                  <a:schemeClr val="tx1"/>
+                </a:solidFill>
+                <a:latin typeface="+mn-lt"/>
+                <a:ea typeface="+mn-ea"/>
+                <a:cs typeface="+mn-cs"/>
+              </a:defRPr>
+            </a:lvl5pPr>
+            <a:lvl6pPr marL="2286000" algn="l" defTabSz="914400" rtl="0" eaLnBrk="1" latinLnBrk="0" hangingPunct="1">
+              <a:defRPr kumimoji="1" sz="1800" kern="1200">
+                <a:solidFill>
+                  <a:schemeClr val="tx1"/>
+                </a:solidFill>
+                <a:latin typeface="+mn-lt"/>
+                <a:ea typeface="+mn-ea"/>
+                <a:cs typeface="+mn-cs"/>
+              </a:defRPr>
+            </a:lvl6pPr>
+            <a:lvl7pPr marL="2743200" algn="l" defTabSz="914400" rtl="0" eaLnBrk="1" latinLnBrk="0" hangingPunct="1">
+              <a:defRPr kumimoji="1" sz="1800" kern="1200">
+                <a:solidFill>
+                  <a:schemeClr val="tx1"/>
+                </a:solidFill>
+                <a:latin typeface="+mn-lt"/>
+                <a:ea typeface="+mn-ea"/>
+                <a:cs typeface="+mn-cs"/>
+              </a:defRPr>
+            </a:lvl7pPr>
+            <a:lvl8pPr marL="3200400" algn="l" defTabSz="914400" rtl="0" eaLnBrk="1" latinLnBrk="0" hangingPunct="1">
+              <a:defRPr kumimoji="1" sz="1800" kern="1200">
+                <a:solidFill>
+                  <a:schemeClr val="tx1"/>
+                </a:solidFill>
+                <a:latin typeface="+mn-lt"/>
+                <a:ea typeface="+mn-ea"/>
+                <a:cs typeface="+mn-cs"/>
+              </a:defRPr>
+            </a:lvl8pPr>
+            <a:lvl9pPr marL="3657600" algn="l" defTabSz="914400" rtl="0" eaLnBrk="1" latinLnBrk="0" hangingPunct="1">
+              <a:defRPr kumimoji="1" sz="1800" kern="1200">
+                <a:solidFill>
+                  <a:schemeClr val="tx1"/>
+                </a:solidFill>
+                <a:latin typeface="+mn-lt"/>
+                <a:ea typeface="+mn-ea"/>
+                <a:cs typeface="+mn-cs"/>
+              </a:defRPr>
+            </a:lvl9pPr>
+          </a:lstStyle>
+          <a:p>
+            <a:r>
+              <a:rPr kumimoji="1" lang="en-US" altLang="ja-JP" sz="2400" b="1" dirty="0">
+                <a:solidFill>
+                  <a:schemeClr val="accent6">
+                    <a:lumMod val="60000"/>
+                    <a:lumOff val="40000"/>
+                  </a:schemeClr>
+                </a:solidFill>
+                <a:latin typeface="+mn-ea"/>
+              </a:rPr>
+              <a:t>50+200+100</a:t>
+            </a:r>
+          </a:p>
+          <a:p>
+            <a:r>
+              <a:rPr lang="en-US" altLang="ja-JP" sz="2400" b="1" dirty="0">
+                <a:solidFill>
+                  <a:schemeClr val="accent6">
+                    <a:lumMod val="60000"/>
+                    <a:lumOff val="40000"/>
+                  </a:schemeClr>
+                </a:solidFill>
+                <a:latin typeface="+mn-ea"/>
+              </a:rPr>
+              <a:t>(VVF2.0-2C)</a:t>
+            </a:r>
+            <a:endParaRPr kumimoji="1" lang="ja-JP" altLang="en-US" sz="2400" b="1" dirty="0">
+              <a:solidFill>
+                <a:schemeClr val="accent6">
+                  <a:lumMod val="60000"/>
+                  <a:lumOff val="40000"/>
+                </a:schemeClr>
+              </a:solidFill>
+              <a:latin typeface="+mn-ea"/>
+            </a:endParaRPr>
+          </a:p>
+        </p:txBody>
+      </p:sp>
+      <p:sp>
+        <p:nvSpPr>
+          <p:cNvPr id="90" name="テキスト ボックス 68">
+            <a:extLst>
+              <a:ext uri="{FF2B5EF4-FFF2-40B4-BE49-F238E27FC236}">
+                <a16:creationId xmlns:a16="http://schemas.microsoft.com/office/drawing/2014/main" id="{B45E72DE-4B1A-42BB-8D83-EAB1DE4FF0B1}"/>
+              </a:ext>
+            </a:extLst>
+          </p:cNvPr>
+          <p:cNvSpPr txBox="1"/>
+          <p:nvPr/>
+        </p:nvSpPr>
+        <p:spPr>
+          <a:xfrm>
+            <a:off x="1465149" y="1682973"/>
+            <a:ext cx="2053767" cy="830997"/>
+          </a:xfrm>
+          <a:prstGeom prst="rect">
+            <a:avLst/>
+          </a:prstGeom>
+          <a:noFill/>
+        </p:spPr>
+        <p:txBody>
+          <a:bodyPr wrap="none" rtlCol="0">
+            <a:spAutoFit/>
+          </a:bodyPr>
+          <a:lstStyle>
+            <a:defPPr>
+              <a:defRPr lang="ja-JP"/>
+            </a:defPPr>
+            <a:lvl1pPr marL="0" algn="l" defTabSz="914400" rtl="0" eaLnBrk="1" latinLnBrk="0" hangingPunct="1">
+              <a:defRPr kumimoji="1" sz="1800" kern="1200">
+                <a:solidFill>
+                  <a:schemeClr val="tx1"/>
+                </a:solidFill>
+                <a:latin typeface="+mn-lt"/>
+                <a:ea typeface="+mn-ea"/>
+                <a:cs typeface="+mn-cs"/>
+              </a:defRPr>
+            </a:lvl1pPr>
+            <a:lvl2pPr marL="457200" algn="l" defTabSz="914400" rtl="0" eaLnBrk="1" latinLnBrk="0" hangingPunct="1">
+              <a:defRPr kumimoji="1" sz="1800" kern="1200">
+                <a:solidFill>
+                  <a:schemeClr val="tx1"/>
+                </a:solidFill>
+                <a:latin typeface="+mn-lt"/>
+                <a:ea typeface="+mn-ea"/>
+                <a:cs typeface="+mn-cs"/>
+              </a:defRPr>
+            </a:lvl2pPr>
+            <a:lvl3pPr marL="914400" algn="l" defTabSz="914400" rtl="0" eaLnBrk="1" latinLnBrk="0" hangingPunct="1">
+              <a:defRPr kumimoji="1" sz="1800" kern="1200">
+                <a:solidFill>
+                  <a:schemeClr val="tx1"/>
+                </a:solidFill>
+                <a:latin typeface="+mn-lt"/>
+                <a:ea typeface="+mn-ea"/>
+                <a:cs typeface="+mn-cs"/>
+              </a:defRPr>
+            </a:lvl3pPr>
+            <a:lvl4pPr marL="1371600" algn="l" defTabSz="914400" rtl="0" eaLnBrk="1" latinLnBrk="0" hangingPunct="1">
+              <a:defRPr kumimoji="1" sz="1800" kern="1200">
+                <a:solidFill>
+                  <a:schemeClr val="tx1"/>
+                </a:solidFill>
+                <a:latin typeface="+mn-lt"/>
+                <a:ea typeface="+mn-ea"/>
+                <a:cs typeface="+mn-cs"/>
+              </a:defRPr>
+            </a:lvl4pPr>
+            <a:lvl5pPr marL="1828800" algn="l" defTabSz="914400" rtl="0" eaLnBrk="1" latinLnBrk="0" hangingPunct="1">
+              <a:defRPr kumimoji="1" sz="1800" kern="1200">
+                <a:solidFill>
+                  <a:schemeClr val="tx1"/>
+                </a:solidFill>
+                <a:latin typeface="+mn-lt"/>
+                <a:ea typeface="+mn-ea"/>
+                <a:cs typeface="+mn-cs"/>
+              </a:defRPr>
+            </a:lvl5pPr>
+            <a:lvl6pPr marL="2286000" algn="l" defTabSz="914400" rtl="0" eaLnBrk="1" latinLnBrk="0" hangingPunct="1">
+              <a:defRPr kumimoji="1" sz="1800" kern="1200">
+                <a:solidFill>
+                  <a:schemeClr val="tx1"/>
+                </a:solidFill>
+                <a:latin typeface="+mn-lt"/>
+                <a:ea typeface="+mn-ea"/>
+                <a:cs typeface="+mn-cs"/>
+              </a:defRPr>
+            </a:lvl6pPr>
+            <a:lvl7pPr marL="2743200" algn="l" defTabSz="914400" rtl="0" eaLnBrk="1" latinLnBrk="0" hangingPunct="1">
+              <a:defRPr kumimoji="1" sz="1800" kern="1200">
+                <a:solidFill>
+                  <a:schemeClr val="tx1"/>
+                </a:solidFill>
+                <a:latin typeface="+mn-lt"/>
+                <a:ea typeface="+mn-ea"/>
+                <a:cs typeface="+mn-cs"/>
+              </a:defRPr>
+            </a:lvl7pPr>
+            <a:lvl8pPr marL="3200400" algn="l" defTabSz="914400" rtl="0" eaLnBrk="1" latinLnBrk="0" hangingPunct="1">
+              <a:defRPr kumimoji="1" sz="1800" kern="1200">
+                <a:solidFill>
+                  <a:schemeClr val="tx1"/>
+                </a:solidFill>
+                <a:latin typeface="+mn-lt"/>
+                <a:ea typeface="+mn-ea"/>
+                <a:cs typeface="+mn-cs"/>
+              </a:defRPr>
+            </a:lvl8pPr>
+            <a:lvl9pPr marL="3657600" algn="l" defTabSz="914400" rtl="0" eaLnBrk="1" latinLnBrk="0" hangingPunct="1">
+              <a:defRPr kumimoji="1" sz="1800" kern="1200">
+                <a:solidFill>
+                  <a:schemeClr val="tx1"/>
+                </a:solidFill>
+                <a:latin typeface="+mn-lt"/>
+                <a:ea typeface="+mn-ea"/>
+                <a:cs typeface="+mn-cs"/>
+              </a:defRPr>
+            </a:lvl9pPr>
+          </a:lstStyle>
+          <a:p>
+            <a:r>
+              <a:rPr kumimoji="1" lang="en-US" altLang="ja-JP" sz="2400" b="1" dirty="0">
+                <a:solidFill>
+                  <a:schemeClr val="accent6">
+                    <a:lumMod val="60000"/>
+                    <a:lumOff val="40000"/>
+                  </a:schemeClr>
+                </a:solidFill>
+                <a:latin typeface="+mn-ea"/>
+              </a:rPr>
+              <a:t>50+200+100</a:t>
+            </a:r>
+          </a:p>
+          <a:p>
+            <a:r>
+              <a:rPr kumimoji="1" lang="en-US" altLang="ja-JP" sz="2400" b="1" dirty="0">
+                <a:solidFill>
+                  <a:schemeClr val="accent6">
+                    <a:lumMod val="60000"/>
+                    <a:lumOff val="40000"/>
+                  </a:schemeClr>
+                </a:solidFill>
+                <a:latin typeface="+mn-ea"/>
+              </a:rPr>
+              <a:t>(VVF2.0-3C)</a:t>
+            </a:r>
+            <a:endParaRPr kumimoji="1" lang="ja-JP" altLang="en-US" sz="2400" b="1" dirty="0">
+              <a:solidFill>
+                <a:schemeClr val="accent6">
+                  <a:lumMod val="60000"/>
+                  <a:lumOff val="40000"/>
+                </a:schemeClr>
+              </a:solidFill>
+              <a:latin typeface="+mn-ea"/>
+            </a:endParaRPr>
+          </a:p>
+        </p:txBody>
+      </p:sp>
+      <p:sp>
+        <p:nvSpPr>
+          <p:cNvPr id="91" name="テキスト ボックス 68">
+            <a:extLst>
+              <a:ext uri="{FF2B5EF4-FFF2-40B4-BE49-F238E27FC236}">
+                <a16:creationId xmlns:a16="http://schemas.microsoft.com/office/drawing/2014/main" id="{05765E88-B1FC-4617-BA29-209105210BFD}"/>
+              </a:ext>
+            </a:extLst>
+          </p:cNvPr>
+          <p:cNvSpPr txBox="1"/>
+          <p:nvPr/>
+        </p:nvSpPr>
+        <p:spPr>
+          <a:xfrm>
+            <a:off x="3092025" y="2828271"/>
+            <a:ext cx="2053767" cy="461665"/>
+          </a:xfrm>
+          <a:prstGeom prst="rect">
+            <a:avLst/>
+          </a:prstGeom>
+          <a:noFill/>
+        </p:spPr>
+        <p:txBody>
+          <a:bodyPr wrap="none" rtlCol="0">
+            <a:spAutoFit/>
+          </a:bodyPr>
+          <a:lstStyle>
+            <a:defPPr>
+              <a:defRPr lang="ja-JP"/>
+            </a:defPPr>
+            <a:lvl1pPr marL="0" algn="l" defTabSz="914400" rtl="0" eaLnBrk="1" latinLnBrk="0" hangingPunct="1">
+              <a:defRPr kumimoji="1" sz="1800" kern="1200">
+                <a:solidFill>
+                  <a:schemeClr val="tx1"/>
+                </a:solidFill>
+                <a:latin typeface="+mn-lt"/>
+                <a:ea typeface="+mn-ea"/>
+                <a:cs typeface="+mn-cs"/>
+              </a:defRPr>
+            </a:lvl1pPr>
+            <a:lvl2pPr marL="457200" algn="l" defTabSz="914400" rtl="0" eaLnBrk="1" latinLnBrk="0" hangingPunct="1">
+              <a:defRPr kumimoji="1" sz="1800" kern="1200">
+                <a:solidFill>
+                  <a:schemeClr val="tx1"/>
+                </a:solidFill>
+                <a:latin typeface="+mn-lt"/>
+                <a:ea typeface="+mn-ea"/>
+                <a:cs typeface="+mn-cs"/>
+              </a:defRPr>
+            </a:lvl2pPr>
+            <a:lvl3pPr marL="914400" algn="l" defTabSz="914400" rtl="0" eaLnBrk="1" latinLnBrk="0" hangingPunct="1">
+              <a:defRPr kumimoji="1" sz="1800" kern="1200">
+                <a:solidFill>
+                  <a:schemeClr val="tx1"/>
+                </a:solidFill>
+                <a:latin typeface="+mn-lt"/>
+                <a:ea typeface="+mn-ea"/>
+                <a:cs typeface="+mn-cs"/>
+              </a:defRPr>
+            </a:lvl3pPr>
+            <a:lvl4pPr marL="1371600" algn="l" defTabSz="914400" rtl="0" eaLnBrk="1" latinLnBrk="0" hangingPunct="1">
+              <a:defRPr kumimoji="1" sz="1800" kern="1200">
+                <a:solidFill>
+                  <a:schemeClr val="tx1"/>
+                </a:solidFill>
+                <a:latin typeface="+mn-lt"/>
+                <a:ea typeface="+mn-ea"/>
+                <a:cs typeface="+mn-cs"/>
+              </a:defRPr>
+            </a:lvl4pPr>
+            <a:lvl5pPr marL="1828800" algn="l" defTabSz="914400" rtl="0" eaLnBrk="1" latinLnBrk="0" hangingPunct="1">
+              <a:defRPr kumimoji="1" sz="1800" kern="1200">
+                <a:solidFill>
+                  <a:schemeClr val="tx1"/>
+                </a:solidFill>
+                <a:latin typeface="+mn-lt"/>
+                <a:ea typeface="+mn-ea"/>
+                <a:cs typeface="+mn-cs"/>
+              </a:defRPr>
+            </a:lvl5pPr>
+            <a:lvl6pPr marL="2286000" algn="l" defTabSz="914400" rtl="0" eaLnBrk="1" latinLnBrk="0" hangingPunct="1">
+              <a:defRPr kumimoji="1" sz="1800" kern="1200">
+                <a:solidFill>
+                  <a:schemeClr val="tx1"/>
+                </a:solidFill>
+                <a:latin typeface="+mn-lt"/>
+                <a:ea typeface="+mn-ea"/>
+                <a:cs typeface="+mn-cs"/>
+              </a:defRPr>
+            </a:lvl6pPr>
+            <a:lvl7pPr marL="2743200" algn="l" defTabSz="914400" rtl="0" eaLnBrk="1" latinLnBrk="0" hangingPunct="1">
+              <a:defRPr kumimoji="1" sz="1800" kern="1200">
+                <a:solidFill>
+                  <a:schemeClr val="tx1"/>
+                </a:solidFill>
+                <a:latin typeface="+mn-lt"/>
+                <a:ea typeface="+mn-ea"/>
+                <a:cs typeface="+mn-cs"/>
+              </a:defRPr>
+            </a:lvl7pPr>
+            <a:lvl8pPr marL="3200400" algn="l" defTabSz="914400" rtl="0" eaLnBrk="1" latinLnBrk="0" hangingPunct="1">
+              <a:defRPr kumimoji="1" sz="1800" kern="1200">
+                <a:solidFill>
+                  <a:schemeClr val="tx1"/>
+                </a:solidFill>
+                <a:latin typeface="+mn-lt"/>
+                <a:ea typeface="+mn-ea"/>
+                <a:cs typeface="+mn-cs"/>
+              </a:defRPr>
+            </a:lvl8pPr>
+            <a:lvl9pPr marL="3657600" algn="l" defTabSz="914400" rtl="0" eaLnBrk="1" latinLnBrk="0" hangingPunct="1">
+              <a:defRPr kumimoji="1" sz="1800" kern="1200">
+                <a:solidFill>
+                  <a:schemeClr val="tx1"/>
+                </a:solidFill>
+                <a:latin typeface="+mn-lt"/>
+                <a:ea typeface="+mn-ea"/>
+                <a:cs typeface="+mn-cs"/>
+              </a:defRPr>
+            </a:lvl9pPr>
+          </a:lstStyle>
+          <a:p>
+            <a:r>
+              <a:rPr lang="en-US" altLang="ja-JP" sz="2400" b="1" dirty="0">
+                <a:solidFill>
+                  <a:schemeClr val="accent6">
+                    <a:lumMod val="60000"/>
+                    <a:lumOff val="40000"/>
+                  </a:schemeClr>
+                </a:solidFill>
+                <a:latin typeface="+mn-ea"/>
+              </a:rPr>
+              <a:t>10</a:t>
+            </a:r>
+            <a:r>
+              <a:rPr kumimoji="1" lang="en-US" altLang="ja-JP" sz="2400" b="1" dirty="0">
+                <a:solidFill>
+                  <a:schemeClr val="accent6">
+                    <a:lumMod val="60000"/>
+                    <a:lumOff val="40000"/>
+                  </a:schemeClr>
+                </a:solidFill>
+                <a:latin typeface="+mn-ea"/>
+              </a:rPr>
+              <a:t>0+200+50</a:t>
+            </a:r>
+            <a:endParaRPr kumimoji="1" lang="ja-JP" altLang="en-US" sz="2400" b="1" dirty="0">
+              <a:solidFill>
+                <a:schemeClr val="accent6">
+                  <a:lumMod val="60000"/>
+                  <a:lumOff val="40000"/>
+                </a:schemeClr>
+              </a:solidFill>
+              <a:latin typeface="+mn-ea"/>
+            </a:endParaRPr>
+          </a:p>
+        </p:txBody>
+      </p:sp>
+      <p:sp>
+        <p:nvSpPr>
+          <p:cNvPr id="92" name="テキスト ボックス 68">
+            <a:extLst>
+              <a:ext uri="{FF2B5EF4-FFF2-40B4-BE49-F238E27FC236}">
+                <a16:creationId xmlns:a16="http://schemas.microsoft.com/office/drawing/2014/main" id="{34288ED5-4928-48E8-B4D0-214343058842}"/>
+              </a:ext>
+            </a:extLst>
+          </p:cNvPr>
+          <p:cNvSpPr txBox="1"/>
+          <p:nvPr/>
+        </p:nvSpPr>
+        <p:spPr>
+          <a:xfrm>
+            <a:off x="7394489" y="3405171"/>
+            <a:ext cx="2230098" cy="830997"/>
+          </a:xfrm>
+          <a:prstGeom prst="rect">
+            <a:avLst/>
+          </a:prstGeom>
+          <a:noFill/>
+        </p:spPr>
+        <p:txBody>
+          <a:bodyPr wrap="none" rtlCol="0">
+            <a:spAutoFit/>
+          </a:bodyPr>
+          <a:lstStyle>
+            <a:defPPr>
+              <a:defRPr lang="ja-JP"/>
+            </a:defPPr>
+            <a:lvl1pPr marL="0" algn="l" defTabSz="914400" rtl="0" eaLnBrk="1" latinLnBrk="0" hangingPunct="1">
+              <a:defRPr kumimoji="1" sz="1800" kern="1200">
+                <a:solidFill>
+                  <a:schemeClr val="tx1"/>
+                </a:solidFill>
+                <a:latin typeface="+mn-lt"/>
+                <a:ea typeface="+mn-ea"/>
+                <a:cs typeface="+mn-cs"/>
+              </a:defRPr>
+            </a:lvl1pPr>
+            <a:lvl2pPr marL="457200" algn="l" defTabSz="914400" rtl="0" eaLnBrk="1" latinLnBrk="0" hangingPunct="1">
+              <a:defRPr kumimoji="1" sz="1800" kern="1200">
+                <a:solidFill>
+                  <a:schemeClr val="tx1"/>
+                </a:solidFill>
+                <a:latin typeface="+mn-lt"/>
+                <a:ea typeface="+mn-ea"/>
+                <a:cs typeface="+mn-cs"/>
+              </a:defRPr>
+            </a:lvl2pPr>
+            <a:lvl3pPr marL="914400" algn="l" defTabSz="914400" rtl="0" eaLnBrk="1" latinLnBrk="0" hangingPunct="1">
+              <a:defRPr kumimoji="1" sz="1800" kern="1200">
+                <a:solidFill>
+                  <a:schemeClr val="tx1"/>
+                </a:solidFill>
+                <a:latin typeface="+mn-lt"/>
+                <a:ea typeface="+mn-ea"/>
+                <a:cs typeface="+mn-cs"/>
+              </a:defRPr>
+            </a:lvl3pPr>
+            <a:lvl4pPr marL="1371600" algn="l" defTabSz="914400" rtl="0" eaLnBrk="1" latinLnBrk="0" hangingPunct="1">
+              <a:defRPr kumimoji="1" sz="1800" kern="1200">
+                <a:solidFill>
+                  <a:schemeClr val="tx1"/>
+                </a:solidFill>
+                <a:latin typeface="+mn-lt"/>
+                <a:ea typeface="+mn-ea"/>
+                <a:cs typeface="+mn-cs"/>
+              </a:defRPr>
+            </a:lvl4pPr>
+            <a:lvl5pPr marL="1828800" algn="l" defTabSz="914400" rtl="0" eaLnBrk="1" latinLnBrk="0" hangingPunct="1">
+              <a:defRPr kumimoji="1" sz="1800" kern="1200">
+                <a:solidFill>
+                  <a:schemeClr val="tx1"/>
+                </a:solidFill>
+                <a:latin typeface="+mn-lt"/>
+                <a:ea typeface="+mn-ea"/>
+                <a:cs typeface="+mn-cs"/>
+              </a:defRPr>
+            </a:lvl5pPr>
+            <a:lvl6pPr marL="2286000" algn="l" defTabSz="914400" rtl="0" eaLnBrk="1" latinLnBrk="0" hangingPunct="1">
+              <a:defRPr kumimoji="1" sz="1800" kern="1200">
+                <a:solidFill>
+                  <a:schemeClr val="tx1"/>
+                </a:solidFill>
+                <a:latin typeface="+mn-lt"/>
+                <a:ea typeface="+mn-ea"/>
+                <a:cs typeface="+mn-cs"/>
+              </a:defRPr>
+            </a:lvl6pPr>
+            <a:lvl7pPr marL="2743200" algn="l" defTabSz="914400" rtl="0" eaLnBrk="1" latinLnBrk="0" hangingPunct="1">
+              <a:defRPr kumimoji="1" sz="1800" kern="1200">
+                <a:solidFill>
+                  <a:schemeClr val="tx1"/>
+                </a:solidFill>
+                <a:latin typeface="+mn-lt"/>
+                <a:ea typeface="+mn-ea"/>
+                <a:cs typeface="+mn-cs"/>
+              </a:defRPr>
+            </a:lvl7pPr>
+            <a:lvl8pPr marL="3200400" algn="l" defTabSz="914400" rtl="0" eaLnBrk="1" latinLnBrk="0" hangingPunct="1">
+              <a:defRPr kumimoji="1" sz="1800" kern="1200">
+                <a:solidFill>
+                  <a:schemeClr val="tx1"/>
+                </a:solidFill>
+                <a:latin typeface="+mn-lt"/>
+                <a:ea typeface="+mn-ea"/>
+                <a:cs typeface="+mn-cs"/>
+              </a:defRPr>
+            </a:lvl8pPr>
+            <a:lvl9pPr marL="3657600" algn="l" defTabSz="914400" rtl="0" eaLnBrk="1" latinLnBrk="0" hangingPunct="1">
+              <a:defRPr kumimoji="1" sz="1800" kern="1200">
+                <a:solidFill>
+                  <a:schemeClr val="tx1"/>
+                </a:solidFill>
+                <a:latin typeface="+mn-lt"/>
+                <a:ea typeface="+mn-ea"/>
+                <a:cs typeface="+mn-cs"/>
+              </a:defRPr>
+            </a:lvl9pPr>
+          </a:lstStyle>
+          <a:p>
+            <a:r>
+              <a:rPr lang="en-US" altLang="ja-JP" sz="2400" b="1" dirty="0">
+                <a:solidFill>
+                  <a:schemeClr val="accent6">
+                    <a:lumMod val="60000"/>
+                    <a:lumOff val="40000"/>
+                  </a:schemeClr>
+                </a:solidFill>
+                <a:latin typeface="+mn-ea"/>
+              </a:rPr>
+              <a:t>10</a:t>
+            </a:r>
+            <a:r>
+              <a:rPr kumimoji="1" lang="en-US" altLang="ja-JP" sz="2400" b="1" dirty="0">
+                <a:solidFill>
+                  <a:schemeClr val="accent6">
+                    <a:lumMod val="60000"/>
+                    <a:lumOff val="40000"/>
+                  </a:schemeClr>
+                </a:solidFill>
+                <a:latin typeface="+mn-ea"/>
+              </a:rPr>
+              <a:t>0+150+100</a:t>
+            </a:r>
+          </a:p>
+          <a:p>
+            <a:r>
+              <a:rPr lang="en-US" altLang="ja-JP" sz="2400" b="1" dirty="0">
+                <a:solidFill>
+                  <a:schemeClr val="accent6">
+                    <a:lumMod val="60000"/>
+                    <a:lumOff val="40000"/>
+                  </a:schemeClr>
+                </a:solidFill>
+                <a:latin typeface="+mn-ea"/>
+              </a:rPr>
+              <a:t>×2</a:t>
+            </a:r>
+            <a:endParaRPr kumimoji="1" lang="ja-JP" altLang="en-US" sz="2400" b="1" dirty="0">
+              <a:solidFill>
+                <a:schemeClr val="accent6">
+                  <a:lumMod val="60000"/>
+                  <a:lumOff val="40000"/>
+                </a:schemeClr>
+              </a:solidFill>
+              <a:latin typeface="+mn-ea"/>
+            </a:endParaRPr>
+          </a:p>
+        </p:txBody>
+      </p:sp>
+      <p:sp>
+        <p:nvSpPr>
+          <p:cNvPr id="93" name="楕円 92">
+            <a:extLst>
+              <a:ext uri="{FF2B5EF4-FFF2-40B4-BE49-F238E27FC236}">
+                <a16:creationId xmlns:a16="http://schemas.microsoft.com/office/drawing/2014/main" id="{382E1E7F-C08E-4BCB-BF1A-1D3E50198A3B}"/>
+              </a:ext>
+            </a:extLst>
+          </p:cNvPr>
+          <p:cNvSpPr/>
+          <p:nvPr/>
+        </p:nvSpPr>
+        <p:spPr>
+          <a:xfrm>
+            <a:off x="6266753" y="3714719"/>
+            <a:ext cx="866309" cy="413844"/>
+          </a:xfrm>
+          <a:prstGeom prst="ellipse">
+            <a:avLst/>
+          </a:prstGeom>
+          <a:noFill/>
+          <a:ln w="28575">
+            <a:solidFill>
+              <a:schemeClr val="accent4">
+                <a:lumMod val="60000"/>
+                <a:lumOff val="40000"/>
+              </a:schemeClr>
+            </a:solidFill>
+            <a:prstDash val="dash"/>
+          </a:ln>
+        </p:spPr>
+        <p:style>
+          <a:lnRef idx="2">
+            <a:schemeClr val="accent1">
+              <a:shade val="50000"/>
+            </a:schemeClr>
+          </a:lnRef>
+          <a:fillRef idx="1">
+            <a:schemeClr val="accent1"/>
+          </a:fillRef>
+          <a:effectRef idx="0">
+            <a:schemeClr val="accent1"/>
+          </a:effectRef>
+          <a:fontRef idx="minor">
+            <a:schemeClr val="lt1"/>
+          </a:fontRef>
+        </p:style>
+        <p:txBody>
+          <a:bodyPr rtlCol="0" anchor="ctr"/>
+          <a:lstStyle/>
+          <a:p>
+            <a:pPr algn="ctr"/>
+            <a:endParaRPr kumimoji="1" lang="ja-JP" altLang="en-US"/>
+          </a:p>
+        </p:txBody>
+      </p:sp>
+    </p:spTree>
+    <p:extLst>
+      <p:ext uri="{BB962C8B-B14F-4D97-AF65-F5344CB8AC3E}">
+        <p14:creationId xmlns:p14="http://schemas.microsoft.com/office/powerpoint/2010/main" val="638208118"/>
+      </p:ext>
+    </p:extLst>
+  </p:cSld>
+  <p:clrMapOvr>
+    <a:masterClrMapping/>
+  </p:clrMapOvr>
+</p:sld>
+</file>
+
 <file path=ppt/theme/theme1.xml><?xml version="1.0" encoding="utf-8"?>
 <a:theme xmlns:a="http://schemas.openxmlformats.org/drawingml/2006/main" name="Office テーマ">
   <a:themeElements>

--- a/algorithm/electricity/03_denki-koujishi/01_kakomon/R1_1/02_jitsugi/q05/a05.pptx
+++ b/algorithm/electricity/03_denki-koujishi/01_kakomon/R1_1/02_jitsugi/q05/a05.pptx
@@ -265,7 +265,7 @@
           <a:p>
             <a:fld id="{EA6D781E-2D27-4EF7-AFED-D0940E0D7738}" type="datetimeFigureOut">
               <a:rPr kumimoji="1" lang="ja-JP" altLang="en-US" smtClean="0"/>
-              <a:t>2020/11/23</a:t>
+              <a:t>2020/11/29</a:t>
             </a:fld>
             <a:endParaRPr kumimoji="1" lang="ja-JP" altLang="en-US"/>
           </a:p>
@@ -495,7 +495,7 @@
           <a:p>
             <a:fld id="{EA6D781E-2D27-4EF7-AFED-D0940E0D7738}" type="datetimeFigureOut">
               <a:rPr kumimoji="1" lang="ja-JP" altLang="en-US" smtClean="0"/>
-              <a:t>2020/11/23</a:t>
+              <a:t>2020/11/29</a:t>
             </a:fld>
             <a:endParaRPr kumimoji="1" lang="ja-JP" altLang="en-US"/>
           </a:p>
@@ -735,7 +735,7 @@
           <a:p>
             <a:fld id="{EA6D781E-2D27-4EF7-AFED-D0940E0D7738}" type="datetimeFigureOut">
               <a:rPr kumimoji="1" lang="ja-JP" altLang="en-US" smtClean="0"/>
-              <a:t>2020/11/23</a:t>
+              <a:t>2020/11/29</a:t>
             </a:fld>
             <a:endParaRPr kumimoji="1" lang="ja-JP" altLang="en-US"/>
           </a:p>
@@ -965,7 +965,7 @@
           <a:p>
             <a:fld id="{EA6D781E-2D27-4EF7-AFED-D0940E0D7738}" type="datetimeFigureOut">
               <a:rPr kumimoji="1" lang="ja-JP" altLang="en-US" smtClean="0"/>
-              <a:t>2020/11/23</a:t>
+              <a:t>2020/11/29</a:t>
             </a:fld>
             <a:endParaRPr kumimoji="1" lang="ja-JP" altLang="en-US"/>
           </a:p>
@@ -1240,7 +1240,7 @@
           <a:p>
             <a:fld id="{EA6D781E-2D27-4EF7-AFED-D0940E0D7738}" type="datetimeFigureOut">
               <a:rPr kumimoji="1" lang="ja-JP" altLang="en-US" smtClean="0"/>
-              <a:t>2020/11/23</a:t>
+              <a:t>2020/11/29</a:t>
             </a:fld>
             <a:endParaRPr kumimoji="1" lang="ja-JP" altLang="en-US"/>
           </a:p>
@@ -1569,7 +1569,7 @@
           <a:p>
             <a:fld id="{EA6D781E-2D27-4EF7-AFED-D0940E0D7738}" type="datetimeFigureOut">
               <a:rPr kumimoji="1" lang="ja-JP" altLang="en-US" smtClean="0"/>
-              <a:t>2020/11/23</a:t>
+              <a:t>2020/11/29</a:t>
             </a:fld>
             <a:endParaRPr kumimoji="1" lang="ja-JP" altLang="en-US"/>
           </a:p>
@@ -2045,7 +2045,7 @@
           <a:p>
             <a:fld id="{EA6D781E-2D27-4EF7-AFED-D0940E0D7738}" type="datetimeFigureOut">
               <a:rPr kumimoji="1" lang="ja-JP" altLang="en-US" smtClean="0"/>
-              <a:t>2020/11/23</a:t>
+              <a:t>2020/11/29</a:t>
             </a:fld>
             <a:endParaRPr kumimoji="1" lang="ja-JP" altLang="en-US"/>
           </a:p>
@@ -2186,7 +2186,7 @@
           <a:p>
             <a:fld id="{EA6D781E-2D27-4EF7-AFED-D0940E0D7738}" type="datetimeFigureOut">
               <a:rPr kumimoji="1" lang="ja-JP" altLang="en-US" smtClean="0"/>
-              <a:t>2020/11/23</a:t>
+              <a:t>2020/11/29</a:t>
             </a:fld>
             <a:endParaRPr kumimoji="1" lang="ja-JP" altLang="en-US"/>
           </a:p>
@@ -2299,7 +2299,7 @@
           <a:p>
             <a:fld id="{EA6D781E-2D27-4EF7-AFED-D0940E0D7738}" type="datetimeFigureOut">
               <a:rPr kumimoji="1" lang="ja-JP" altLang="en-US" smtClean="0"/>
-              <a:t>2020/11/23</a:t>
+              <a:t>2020/11/29</a:t>
             </a:fld>
             <a:endParaRPr kumimoji="1" lang="ja-JP" altLang="en-US"/>
           </a:p>
@@ -2642,7 +2642,7 @@
           <a:p>
             <a:fld id="{EA6D781E-2D27-4EF7-AFED-D0940E0D7738}" type="datetimeFigureOut">
               <a:rPr kumimoji="1" lang="ja-JP" altLang="en-US" smtClean="0"/>
-              <a:t>2020/11/23</a:t>
+              <a:t>2020/11/29</a:t>
             </a:fld>
             <a:endParaRPr kumimoji="1" lang="ja-JP" altLang="en-US"/>
           </a:p>
@@ -2930,7 +2930,7 @@
           <a:p>
             <a:fld id="{EA6D781E-2D27-4EF7-AFED-D0940E0D7738}" type="datetimeFigureOut">
               <a:rPr kumimoji="1" lang="ja-JP" altLang="en-US" smtClean="0"/>
-              <a:t>2020/11/23</a:t>
+              <a:t>2020/11/29</a:t>
             </a:fld>
             <a:endParaRPr kumimoji="1" lang="ja-JP" altLang="en-US"/>
           </a:p>
@@ -3203,7 +3203,7 @@
           <a:p>
             <a:fld id="{EA6D781E-2D27-4EF7-AFED-D0940E0D7738}" type="datetimeFigureOut">
               <a:rPr kumimoji="1" lang="ja-JP" altLang="en-US" smtClean="0"/>
-              <a:t>2020/11/23</a:t>
+              <a:t>2020/11/29</a:t>
             </a:fld>
             <a:endParaRPr kumimoji="1" lang="ja-JP" altLang="en-US"/>
           </a:p>
@@ -21097,7 +21097,7 @@
           </a:lstStyle>
           <a:p>
             <a:r>
-              <a:rPr lang="en-US" altLang="ja-JP" sz="2400" b="1" dirty="0">
+              <a:rPr lang="en-US" altLang="ja-JP" sz="2400" b="1">
                 <a:solidFill>
                   <a:schemeClr val="accent6">
                     <a:lumMod val="60000"/>
@@ -21109,7 +21109,7 @@
               <a:t>10</a:t>
             </a:r>
             <a:r>
-              <a:rPr kumimoji="1" lang="en-US" altLang="ja-JP" sz="2400" b="1" dirty="0">
+              <a:rPr kumimoji="1" lang="en-US" altLang="ja-JP" sz="2400" b="1">
                 <a:solidFill>
                   <a:schemeClr val="accent6">
                     <a:lumMod val="60000"/>
@@ -21118,7 +21118,7 @@
                 </a:solidFill>
                 <a:latin typeface="+mn-ea"/>
               </a:rPr>
-              <a:t>0+150</a:t>
+              <a:t>0+100</a:t>
             </a:r>
             <a:endParaRPr kumimoji="1" lang="ja-JP" altLang="en-US" sz="2400" b="1" dirty="0">
               <a:solidFill>
@@ -21264,7 +21264,7 @@
                 </a:solidFill>
                 <a:latin typeface="+mn-ea"/>
               </a:rPr>
-              <a:t>50+200+100</a:t>
+              <a:t>50+250+100</a:t>
             </a:r>
           </a:p>
           <a:p>
@@ -21415,7 +21415,7 @@
           </a:lstStyle>
           <a:p>
             <a:r>
-              <a:rPr kumimoji="1" lang="en-US" altLang="ja-JP" sz="2400" b="1" dirty="0">
+              <a:rPr kumimoji="1" lang="en-US" altLang="ja-JP" sz="2400" b="1">
                 <a:solidFill>
                   <a:schemeClr val="accent6">
                     <a:lumMod val="60000"/>
@@ -21424,8 +21424,17 @@
                 </a:solidFill>
                 <a:latin typeface="+mn-ea"/>
               </a:rPr>
-              <a:t>50+200+100</a:t>
-            </a:r>
+              <a:t>50+250+100</a:t>
+            </a:r>
+            <a:endParaRPr kumimoji="1" lang="en-US" altLang="ja-JP" sz="2400" b="1" dirty="0">
+              <a:solidFill>
+                <a:schemeClr val="accent6">
+                  <a:lumMod val="60000"/>
+                  <a:lumOff val="40000"/>
+                </a:schemeClr>
+              </a:solidFill>
+              <a:latin typeface="+mn-ea"/>
+            </a:endParaRPr>
           </a:p>
           <a:p>
             <a:r>
@@ -21596,7 +21605,7 @@
                 </a:solidFill>
                 <a:latin typeface="+mn-ea"/>
               </a:rPr>
-              <a:t>0+200+50</a:t>
+              <a:t>0+250+50</a:t>
             </a:r>
             <a:endParaRPr kumimoji="1" lang="ja-JP" altLang="en-US" sz="2400" b="1" dirty="0">
               <a:solidFill>
@@ -21754,7 +21763,7 @@
                 </a:solidFill>
                 <a:latin typeface="+mn-ea"/>
               </a:rPr>
-              <a:t>0+150+100</a:t>
+              <a:t>0+200+100</a:t>
             </a:r>
           </a:p>
           <a:p>
